--- a/projects/us_birth_rate_trends_20221006/presentation/primary_population_contributor.pptx
+++ b/projects/us_birth_rate_trends_20221006/presentation/primary_population_contributor.pptx
@@ -18,16 +18,17 @@
     <p:sldId id="263" r:id="rId13"/>
     <p:sldId id="264" r:id="rId14"/>
     <p:sldId id="265" r:id="rId15"/>
+    <p:sldId id="266" r:id="rId16"/>
   </p:sldIdLst>
   <p:sldSz cy="5143500" cx="9144000"/>
   <p:notesSz cx="6858000" cy="9144000"/>
   <p:embeddedFontLst>
     <p:embeddedFont>
       <p:font typeface="Proxima Nova"/>
-      <p:regular r:id="rId16"/>
-      <p:bold r:id="rId17"/>
-      <p:italic r:id="rId18"/>
-      <p:boldItalic r:id="rId19"/>
+      <p:regular r:id="rId17"/>
+      <p:bold r:id="rId18"/>
+      <p:italic r:id="rId19"/>
+      <p:boldItalic r:id="rId20"/>
     </p:embeddedFont>
   </p:embeddedFontLst>
   <p:defaultTextStyle>
@@ -808,7 +809,7 @@
   <p:cSld>
     <p:spTree>
       <p:nvGrpSpPr>
-        <p:cNvPr id="121" name="Shape 121"/>
+        <p:cNvPr id="118" name="Shape 118"/>
         <p:cNvGrpSpPr/>
         <p:nvPr/>
       </p:nvGrpSpPr>
@@ -822,7 +823,7 @@
       </p:grpSpPr>
       <p:sp>
         <p:nvSpPr>
-          <p:cNvPr id="122" name="Google Shape;122;g1640c95e980_0_261:notes"/>
+          <p:cNvPr id="119" name="Google Shape;119;g17a08c67fd3_0_75:notes"/>
           <p:cNvSpPr/>
           <p:nvPr>
             <p:ph idx="2" type="sldImg"/>
@@ -857,7 +858,106 @@
       </p:sp>
       <p:sp>
         <p:nvSpPr>
-          <p:cNvPr id="123" name="Google Shape;123;g1640c95e980_0_261:notes"/>
+          <p:cNvPr id="120" name="Google Shape;120;g17a08c67fd3_0_75:notes"/>
+          <p:cNvSpPr txBox="1"/>
+          <p:nvPr>
+            <p:ph idx="1" type="body"/>
+          </p:nvPr>
+        </p:nvSpPr>
+        <p:spPr>
+          <a:xfrm>
+            <a:off x="685800" y="4343400"/>
+            <a:ext cx="5486400" cy="4114800"/>
+          </a:xfrm>
+          <a:prstGeom prst="rect">
+            <a:avLst/>
+          </a:prstGeom>
+        </p:spPr>
+        <p:txBody>
+          <a:bodyPr anchorCtr="0" anchor="t" bIns="91425" lIns="91425" spcFirstLastPara="1" rIns="91425" wrap="square" tIns="91425">
+            <a:noAutofit/>
+          </a:bodyPr>
+          <a:lstStyle/>
+          <a:p>
+            <a:pPr indent="0" lvl="0" marL="0" rtl="0" algn="l">
+              <a:spcBef>
+                <a:spcPts val="0"/>
+              </a:spcBef>
+              <a:spcAft>
+                <a:spcPts val="0"/>
+              </a:spcAft>
+              <a:buNone/>
+            </a:pPr>
+            <a:r>
+              <a:t/>
+            </a:r>
+            <a:endParaRPr/>
+          </a:p>
+        </p:txBody>
+      </p:sp>
+    </p:spTree>
+  </p:cSld>
+  <p:clrMapOvr>
+    <a:masterClrMapping/>
+  </p:clrMapOvr>
+</p:notes>
+</file>
+
+<file path=ppt/notesSlides/notesSlide11.xml><?xml version="1.0" encoding="utf-8"?>
+<p:notes xmlns:a="http://schemas.openxmlformats.org/drawingml/2006/main" xmlns:r="http://schemas.openxmlformats.org/officeDocument/2006/relationships" xmlns:mc="http://schemas.openxmlformats.org/markup-compatibility/2006" xmlns:mv="urn:schemas-microsoft-com:mac:vml" xmlns:p="http://schemas.openxmlformats.org/presentationml/2006/main" xmlns:c="http://schemas.openxmlformats.org/drawingml/2006/chart" xmlns:dgm="http://schemas.openxmlformats.org/drawingml/2006/diagram" xmlns:o="urn:schemas-microsoft-com:office:office" xmlns:v="urn:schemas-microsoft-com:vml" xmlns:pvml="urn:schemas-microsoft-com:office:powerpoint" xmlns:com="http://schemas.openxmlformats.org/drawingml/2006/compatibility" xmlns:p14="http://schemas.microsoft.com/office/powerpoint/2010/main" xmlns:p15="http://schemas.microsoft.com/office/powerpoint/2012/main" xmlns:ahyp="http://schemas.microsoft.com/office/drawing/2018/hyperlinkcolor" showMasterPhAnim="0" showMasterSp="0">
+  <p:cSld>
+    <p:spTree>
+      <p:nvGrpSpPr>
+        <p:cNvPr id="125" name="Shape 125"/>
+        <p:cNvGrpSpPr/>
+        <p:nvPr/>
+      </p:nvGrpSpPr>
+      <p:grpSpPr>
+        <a:xfrm>
+          <a:off x="0" y="0"/>
+          <a:ext cx="0" cy="0"/>
+          <a:chOff x="0" y="0"/>
+          <a:chExt cx="0" cy="0"/>
+        </a:xfrm>
+      </p:grpSpPr>
+      <p:sp>
+        <p:nvSpPr>
+          <p:cNvPr id="126" name="Google Shape;126;g1640c95e980_0_261:notes"/>
+          <p:cNvSpPr/>
+          <p:nvPr>
+            <p:ph idx="2" type="sldImg"/>
+          </p:nvPr>
+        </p:nvSpPr>
+        <p:spPr>
+          <a:xfrm>
+            <a:off x="381300" y="685800"/>
+            <a:ext cx="6096000" cy="3429000"/>
+          </a:xfrm>
+          <a:custGeom>
+            <a:rect b="b" l="l" r="r" t="t"/>
+            <a:pathLst>
+              <a:path extrusionOk="0" h="120000" w="120000">
+                <a:moveTo>
+                  <a:pt x="0" y="0"/>
+                </a:moveTo>
+                <a:lnTo>
+                  <a:pt x="120000" y="0"/>
+                </a:lnTo>
+                <a:lnTo>
+                  <a:pt x="120000" y="120000"/>
+                </a:lnTo>
+                <a:lnTo>
+                  <a:pt x="0" y="120000"/>
+                </a:lnTo>
+                <a:close/>
+              </a:path>
+            </a:pathLst>
+          </a:custGeom>
+        </p:spPr>
+      </p:sp>
+      <p:sp>
+        <p:nvSpPr>
+          <p:cNvPr id="127" name="Google Shape;127;g1640c95e980_0_261:notes"/>
           <p:cNvSpPr txBox="1"/>
           <p:nvPr>
             <p:ph idx="1" type="body"/>
@@ -1020,7 +1120,7 @@
       </p:grpSpPr>
       <p:sp>
         <p:nvSpPr>
-          <p:cNvPr id="69" name="Google Shape;69;g1640c95e980_0_192:notes"/>
+          <p:cNvPr id="69" name="Google Shape;69;g17e543f218f_0_6:notes"/>
           <p:cNvSpPr/>
           <p:nvPr>
             <p:ph idx="2" type="sldImg"/>
@@ -1055,7 +1155,7 @@
       </p:sp>
       <p:sp>
         <p:nvSpPr>
-          <p:cNvPr id="70" name="Google Shape;70;g1640c95e980_0_192:notes"/>
+          <p:cNvPr id="70" name="Google Shape;70;g17e543f218f_0_6:notes"/>
           <p:cNvSpPr txBox="1"/>
           <p:nvPr>
             <p:ph idx="1" type="body"/>
@@ -1119,7 +1219,7 @@
       </p:grpSpPr>
       <p:sp>
         <p:nvSpPr>
-          <p:cNvPr id="76" name="Google Shape;76;g17a08c67fd3_0_16:notes"/>
+          <p:cNvPr id="76" name="Google Shape;76;g1640c95e980_0_192:notes"/>
           <p:cNvSpPr/>
           <p:nvPr>
             <p:ph idx="2" type="sldImg"/>
@@ -1154,7 +1254,7 @@
       </p:sp>
       <p:sp>
         <p:nvSpPr>
-          <p:cNvPr id="77" name="Google Shape;77;g17a08c67fd3_0_16:notes"/>
+          <p:cNvPr id="77" name="Google Shape;77;g1640c95e980_0_192:notes"/>
           <p:cNvSpPr txBox="1"/>
           <p:nvPr>
             <p:ph idx="1" type="body"/>
@@ -1204,7 +1304,7 @@
   <p:cSld>
     <p:spTree>
       <p:nvGrpSpPr>
-        <p:cNvPr id="83" name="Shape 83"/>
+        <p:cNvPr id="82" name="Shape 82"/>
         <p:cNvGrpSpPr/>
         <p:nvPr/>
       </p:nvGrpSpPr>
@@ -1218,7 +1318,7 @@
       </p:grpSpPr>
       <p:sp>
         <p:nvSpPr>
-          <p:cNvPr id="84" name="Google Shape;84;g17a08c67fd3_0_24:notes"/>
+          <p:cNvPr id="83" name="Google Shape;83;g17a08c67fd3_0_16:notes"/>
           <p:cNvSpPr/>
           <p:nvPr>
             <p:ph idx="2" type="sldImg"/>
@@ -1253,7 +1353,7 @@
       </p:sp>
       <p:sp>
         <p:nvSpPr>
-          <p:cNvPr id="85" name="Google Shape;85;g17a08c67fd3_0_24:notes"/>
+          <p:cNvPr id="84" name="Google Shape;84;g17a08c67fd3_0_16:notes"/>
           <p:cNvSpPr txBox="1"/>
           <p:nvPr>
             <p:ph idx="1" type="body"/>
@@ -1303,7 +1403,7 @@
   <p:cSld>
     <p:spTree>
       <p:nvGrpSpPr>
-        <p:cNvPr id="91" name="Shape 91"/>
+        <p:cNvPr id="90" name="Shape 90"/>
         <p:cNvGrpSpPr/>
         <p:nvPr/>
       </p:nvGrpSpPr>
@@ -1317,7 +1417,7 @@
       </p:grpSpPr>
       <p:sp>
         <p:nvSpPr>
-          <p:cNvPr id="92" name="Google Shape;92;g1640c95e980_0_245:notes"/>
+          <p:cNvPr id="91" name="Google Shape;91;g17a08c67fd3_0_24:notes"/>
           <p:cNvSpPr/>
           <p:nvPr>
             <p:ph idx="2" type="sldImg"/>
@@ -1352,7 +1452,7 @@
       </p:sp>
       <p:sp>
         <p:nvSpPr>
-          <p:cNvPr id="93" name="Google Shape;93;g1640c95e980_0_245:notes"/>
+          <p:cNvPr id="92" name="Google Shape;92;g17a08c67fd3_0_24:notes"/>
           <p:cNvSpPr txBox="1"/>
           <p:nvPr>
             <p:ph idx="1" type="body"/>
@@ -1402,7 +1502,7 @@
   <p:cSld>
     <p:spTree>
       <p:nvGrpSpPr>
-        <p:cNvPr id="96" name="Shape 96"/>
+        <p:cNvPr id="98" name="Shape 98"/>
         <p:cNvGrpSpPr/>
         <p:nvPr/>
       </p:nvGrpSpPr>
@@ -1416,7 +1516,7 @@
       </p:grpSpPr>
       <p:sp>
         <p:nvSpPr>
-          <p:cNvPr id="97" name="Google Shape;97;g17a08c67fd3_0_40:notes"/>
+          <p:cNvPr id="99" name="Google Shape;99;g1640c95e980_0_245:notes"/>
           <p:cNvSpPr/>
           <p:nvPr>
             <p:ph idx="2" type="sldImg"/>
@@ -1451,7 +1551,7 @@
       </p:sp>
       <p:sp>
         <p:nvSpPr>
-          <p:cNvPr id="98" name="Google Shape;98;g17a08c67fd3_0_40:notes"/>
+          <p:cNvPr id="100" name="Google Shape;100;g1640c95e980_0_245:notes"/>
           <p:cNvSpPr txBox="1"/>
           <p:nvPr>
             <p:ph idx="1" type="body"/>
@@ -1501,7 +1601,7 @@
   <p:cSld>
     <p:spTree>
       <p:nvGrpSpPr>
-        <p:cNvPr id="104" name="Shape 104"/>
+        <p:cNvPr id="103" name="Shape 103"/>
         <p:cNvGrpSpPr/>
         <p:nvPr/>
       </p:nvGrpSpPr>
@@ -1515,7 +1615,7 @@
       </p:grpSpPr>
       <p:sp>
         <p:nvSpPr>
-          <p:cNvPr id="105" name="Google Shape;105;g16cdabc4739_0_1:notes"/>
+          <p:cNvPr id="104" name="Google Shape;104;g17a08c67fd3_0_40:notes"/>
           <p:cNvSpPr/>
           <p:nvPr>
             <p:ph idx="2" type="sldImg"/>
@@ -1550,7 +1650,7 @@
       </p:sp>
       <p:sp>
         <p:nvSpPr>
-          <p:cNvPr id="106" name="Google Shape;106;g16cdabc4739_0_1:notes"/>
+          <p:cNvPr id="105" name="Google Shape;105;g17a08c67fd3_0_40:notes"/>
           <p:cNvSpPr txBox="1"/>
           <p:nvPr>
             <p:ph idx="1" type="body"/>
@@ -1600,7 +1700,7 @@
   <p:cSld>
     <p:spTree>
       <p:nvGrpSpPr>
-        <p:cNvPr id="114" name="Shape 114"/>
+        <p:cNvPr id="111" name="Shape 111"/>
         <p:cNvGrpSpPr/>
         <p:nvPr/>
       </p:nvGrpSpPr>
@@ -1614,7 +1714,7 @@
       </p:grpSpPr>
       <p:sp>
         <p:nvSpPr>
-          <p:cNvPr id="115" name="Google Shape;115;g17a08c67fd3_0_75:notes"/>
+          <p:cNvPr id="112" name="Google Shape;112;g16cdabc4739_0_1:notes"/>
           <p:cNvSpPr/>
           <p:nvPr>
             <p:ph idx="2" type="sldImg"/>
@@ -1649,7 +1749,7 @@
       </p:sp>
       <p:sp>
         <p:nvSpPr>
-          <p:cNvPr id="116" name="Google Shape;116;g17a08c67fd3_0_75:notes"/>
+          <p:cNvPr id="113" name="Google Shape;113;g16cdabc4739_0_1:notes"/>
           <p:cNvSpPr txBox="1"/>
           <p:nvPr>
             <p:ph idx="1" type="body"/>
@@ -7140,7 +7240,7 @@
   <p:cSld>
     <p:spTree>
       <p:nvGrpSpPr>
-        <p:cNvPr id="124" name="Shape 124"/>
+        <p:cNvPr id="121" name="Shape 121"/>
         <p:cNvGrpSpPr/>
         <p:nvPr/>
       </p:nvGrpSpPr>
@@ -7154,7 +7254,384 @@
       </p:grpSpPr>
       <p:sp>
         <p:nvSpPr>
-          <p:cNvPr id="125" name="Google Shape;125;p22"/>
+          <p:cNvPr id="122" name="Google Shape;122;p22"/>
+          <p:cNvSpPr txBox="1"/>
+          <p:nvPr>
+            <p:ph type="title"/>
+          </p:nvPr>
+        </p:nvSpPr>
+        <p:spPr>
+          <a:xfrm>
+            <a:off x="311700" y="445025"/>
+            <a:ext cx="8520600" cy="572700"/>
+          </a:xfrm>
+          <a:prstGeom prst="rect">
+            <a:avLst/>
+          </a:prstGeom>
+        </p:spPr>
+        <p:txBody>
+          <a:bodyPr anchorCtr="0" anchor="t" bIns="91425" lIns="91425" spcFirstLastPara="1" rIns="91425" wrap="square" tIns="91425">
+            <a:normAutofit fontScale="90000"/>
+          </a:bodyPr>
+          <a:lstStyle/>
+          <a:p>
+            <a:pPr indent="0" lvl="0" marL="0" rtl="0" algn="l">
+              <a:spcBef>
+                <a:spcPts val="0"/>
+              </a:spcBef>
+              <a:spcAft>
+                <a:spcPts val="0"/>
+              </a:spcAft>
+              <a:buNone/>
+            </a:pPr>
+            <a:r>
+              <a:rPr lang="en"/>
+              <a:t>References and Appendix</a:t>
+            </a:r>
+            <a:endParaRPr/>
+          </a:p>
+        </p:txBody>
+      </p:sp>
+      <p:sp>
+        <p:nvSpPr>
+          <p:cNvPr id="123" name="Google Shape;123;p22"/>
+          <p:cNvSpPr txBox="1"/>
+          <p:nvPr>
+            <p:ph idx="1" type="body"/>
+          </p:nvPr>
+        </p:nvSpPr>
+        <p:spPr>
+          <a:xfrm>
+            <a:off x="311700" y="1152475"/>
+            <a:ext cx="3999900" cy="3416400"/>
+          </a:xfrm>
+          <a:prstGeom prst="rect">
+            <a:avLst/>
+          </a:prstGeom>
+        </p:spPr>
+        <p:txBody>
+          <a:bodyPr anchorCtr="0" anchor="t" bIns="91425" lIns="91425" spcFirstLastPara="1" rIns="91425" wrap="square" tIns="91425">
+            <a:noAutofit/>
+          </a:bodyPr>
+          <a:lstStyle/>
+          <a:p>
+            <a:pPr indent="0" lvl="0" marL="0" rtl="0" algn="l">
+              <a:spcBef>
+                <a:spcPts val="0"/>
+              </a:spcBef>
+              <a:spcAft>
+                <a:spcPts val="0"/>
+              </a:spcAft>
+              <a:buNone/>
+            </a:pPr>
+            <a:r>
+              <a:rPr lang="en" sz="800"/>
+              <a:t>DATA</a:t>
+            </a:r>
+            <a:endParaRPr sz="800"/>
+          </a:p>
+          <a:p>
+            <a:pPr indent="0" lvl="0" marL="0" rtl="0" algn="l">
+              <a:spcBef>
+                <a:spcPts val="1200"/>
+              </a:spcBef>
+              <a:spcAft>
+                <a:spcPts val="0"/>
+              </a:spcAft>
+              <a:buNone/>
+            </a:pPr>
+            <a:r>
+              <a:rPr lang="en" sz="800"/>
+              <a:t>[1] Bureau, U. S. C. (n.d.). Explore census data. Retrieved October 30, 2022, from </a:t>
+            </a:r>
+            <a:r>
+              <a:rPr lang="en" sz="800" u="sng">
+                <a:solidFill>
+                  <a:schemeClr val="hlink"/>
+                </a:solidFill>
+                <a:hlinkClick r:id="rId3"/>
+              </a:rPr>
+              <a:t>https://data.census.gov/cedsci/table?q=us+population+2010&amp;tid=DECENNIALPLNAT2010.P1</a:t>
+            </a:r>
+            <a:endParaRPr sz="800"/>
+          </a:p>
+          <a:p>
+            <a:pPr indent="0" lvl="0" marL="0" rtl="0" algn="l">
+              <a:spcBef>
+                <a:spcPts val="1200"/>
+              </a:spcBef>
+              <a:spcAft>
+                <a:spcPts val="0"/>
+              </a:spcAft>
+              <a:buNone/>
+            </a:pPr>
+            <a:r>
+              <a:rPr lang="en" sz="800"/>
+              <a:t>[2] Bureau, U. S. C. (n.d.). Explore census data. Retrieved October 30, 2022, from </a:t>
+            </a:r>
+            <a:r>
+              <a:rPr lang="en" sz="800" u="sng">
+                <a:solidFill>
+                  <a:schemeClr val="hlink"/>
+                </a:solidFill>
+                <a:hlinkClick r:id="rId4"/>
+              </a:rPr>
+              <a:t>https://data.census.gov/cedsci/table?q=us+population+2020&amp;tid=DECENNIALPL2020.P1</a:t>
+            </a:r>
+            <a:endParaRPr sz="800"/>
+          </a:p>
+          <a:p>
+            <a:pPr indent="0" lvl="0" marL="0" rtl="0" algn="l">
+              <a:spcBef>
+                <a:spcPts val="1200"/>
+              </a:spcBef>
+              <a:spcAft>
+                <a:spcPts val="0"/>
+              </a:spcAft>
+              <a:buNone/>
+            </a:pPr>
+            <a:r>
+              <a:rPr lang="en" sz="800"/>
+              <a:t>[4] Centers for Disease Control and Prevention, National Center for Health Statistics. National Vital Statistics System, Natality on CDC WONDER Online Database. Data are from the Natality Records 2007-2020, as compiled from data provided by the 57 vital statistics jurisdictions through the Vital statistics Cooperative Program. Accessed at </a:t>
+            </a:r>
+            <a:r>
+              <a:rPr lang="en" sz="800" u="sng">
+                <a:solidFill>
+                  <a:schemeClr val="hlink"/>
+                </a:solidFill>
+                <a:hlinkClick r:id="rId5"/>
+              </a:rPr>
+              <a:t>http://wonder.cdc.gov/natality-current.html</a:t>
+            </a:r>
+            <a:r>
+              <a:rPr lang="en" sz="800"/>
+              <a:t> with requested records 2011-2020 on Oct 29, 2022 5:51:00 PM.</a:t>
+            </a:r>
+            <a:endParaRPr sz="800"/>
+          </a:p>
+          <a:p>
+            <a:pPr indent="0" lvl="0" marL="0" rtl="0" algn="l">
+              <a:spcBef>
+                <a:spcPts val="1200"/>
+              </a:spcBef>
+              <a:spcAft>
+                <a:spcPts val="1200"/>
+              </a:spcAft>
+              <a:buClr>
+                <a:srgbClr val="000000"/>
+              </a:buClr>
+              <a:buSzPts val="852"/>
+              <a:buFont typeface="Arial"/>
+              <a:buNone/>
+            </a:pPr>
+            <a:r>
+              <a:rPr lang="en" sz="800"/>
+              <a:t>[5] Joseph Chamie, opinion contributor. (2022, January 11). For the foreseeable future, immigration will fuel US population growth. The Hill. Retrieved October 31, 2022, from </a:t>
+            </a:r>
+            <a:r>
+              <a:rPr lang="en" sz="800" u="sng">
+                <a:solidFill>
+                  <a:schemeClr val="accent5"/>
+                </a:solidFill>
+                <a:hlinkClick r:id="rId6">
+                  <a:extLst>
+                    <a:ext uri="{A12FA001-AC4F-418D-AE19-62706E023703}">
+                      <ahyp:hlinkClr val="tx"/>
+                    </a:ext>
+                  </a:extLst>
+                </a:hlinkClick>
+              </a:rPr>
+              <a:t>https://thehill.com/opinion/immigration/589178-for-the-foreseeable-future-immigration-will-fuel-us-population-growth/</a:t>
+            </a:r>
+            <a:endParaRPr sz="800"/>
+          </a:p>
+        </p:txBody>
+      </p:sp>
+      <p:sp>
+        <p:nvSpPr>
+          <p:cNvPr id="124" name="Google Shape;124;p22"/>
+          <p:cNvSpPr txBox="1"/>
+          <p:nvPr>
+            <p:ph idx="2" type="body"/>
+          </p:nvPr>
+        </p:nvSpPr>
+        <p:spPr>
+          <a:xfrm>
+            <a:off x="4832400" y="1152475"/>
+            <a:ext cx="3999900" cy="3416400"/>
+          </a:xfrm>
+          <a:prstGeom prst="rect">
+            <a:avLst/>
+          </a:prstGeom>
+        </p:spPr>
+        <p:txBody>
+          <a:bodyPr anchorCtr="0" anchor="t" bIns="91425" lIns="91425" spcFirstLastPara="1" rIns="91425" wrap="square" tIns="91425">
+            <a:noAutofit/>
+          </a:bodyPr>
+          <a:lstStyle/>
+          <a:p>
+            <a:pPr indent="0" lvl="0" marL="0" rtl="0" algn="l">
+              <a:spcBef>
+                <a:spcPts val="0"/>
+              </a:spcBef>
+              <a:spcAft>
+                <a:spcPts val="0"/>
+              </a:spcAft>
+              <a:buSzPts val="852"/>
+              <a:buNone/>
+            </a:pPr>
+            <a:r>
+              <a:rPr lang="en" sz="800"/>
+              <a:t>QUOTES</a:t>
+            </a:r>
+            <a:endParaRPr sz="800"/>
+          </a:p>
+          <a:p>
+            <a:pPr indent="0" lvl="0" marL="0" rtl="0" algn="l">
+              <a:spcBef>
+                <a:spcPts val="1200"/>
+              </a:spcBef>
+              <a:spcAft>
+                <a:spcPts val="0"/>
+              </a:spcAft>
+              <a:buSzPts val="852"/>
+              <a:buNone/>
+            </a:pPr>
+            <a:r>
+              <a:rPr lang="en" sz="800"/>
+              <a:t>[3] Causes and consequences of overpopulation. Sustainability for all. (n.d.). Retrieved October 30, 2022, from </a:t>
+            </a:r>
+            <a:r>
+              <a:rPr lang="en" sz="800" u="sng">
+                <a:solidFill>
+                  <a:schemeClr val="hlink"/>
+                </a:solidFill>
+                <a:hlinkClick r:id="rId7"/>
+              </a:rPr>
+              <a:t>https://www.activesustainability.com/sustainable-development/causes-consequences-overpopulation/?_adin=02021864894</a:t>
+            </a:r>
+            <a:endParaRPr sz="800"/>
+          </a:p>
+          <a:p>
+            <a:pPr indent="0" lvl="0" marL="0" rtl="0" algn="l">
+              <a:spcBef>
+                <a:spcPts val="1200"/>
+              </a:spcBef>
+              <a:spcAft>
+                <a:spcPts val="0"/>
+              </a:spcAft>
+              <a:buSzPts val="852"/>
+              <a:buNone/>
+            </a:pPr>
+            <a:r>
+              <a:rPr lang="en" sz="800"/>
+              <a:t>[6] Npg. (2022, April 13). Opinion piece offers valuable insight on population growth. Negative Population Growth. Retrieved November 3, 2022, from </a:t>
+            </a:r>
+            <a:r>
+              <a:rPr lang="en" sz="800" u="sng">
+                <a:solidFill>
+                  <a:schemeClr val="hlink"/>
+                </a:solidFill>
+                <a:hlinkClick r:id="rId8"/>
+              </a:rPr>
+              <a:t>https://npg.org/npg-commentary/em-041322.html</a:t>
+            </a:r>
+            <a:endParaRPr sz="800"/>
+          </a:p>
+          <a:p>
+            <a:pPr indent="0" lvl="0" marL="0" rtl="0" algn="l">
+              <a:spcBef>
+                <a:spcPts val="1200"/>
+              </a:spcBef>
+              <a:spcAft>
+                <a:spcPts val="0"/>
+              </a:spcAft>
+              <a:buSzPts val="852"/>
+              <a:buNone/>
+            </a:pPr>
+            <a:r>
+              <a:rPr lang="en" sz="800"/>
+              <a:t>[7] </a:t>
+            </a:r>
+            <a:r>
+              <a:rPr i="1" lang="en" sz="800"/>
+              <a:t>Study session 2  population growth</a:t>
+            </a:r>
+            <a:r>
+              <a:rPr lang="en" sz="800"/>
+              <a:t>. Study Session 2  Population Growth: View as single page. (n.d.). Retrieved October 31, 2022, from </a:t>
+            </a:r>
+            <a:r>
+              <a:rPr lang="en" sz="800" u="sng">
+                <a:solidFill>
+                  <a:schemeClr val="hlink"/>
+                </a:solidFill>
+                <a:hlinkClick r:id="rId9"/>
+              </a:rPr>
+              <a:t>https://www.open.edu/openlearncreate/mod/oucontent/view.php?id=79927&amp;printable=1</a:t>
+            </a:r>
+            <a:endParaRPr sz="800"/>
+          </a:p>
+          <a:p>
+            <a:pPr indent="0" lvl="0" marL="0" rtl="0" algn="l">
+              <a:spcBef>
+                <a:spcPts val="1200"/>
+              </a:spcBef>
+              <a:spcAft>
+                <a:spcPts val="1200"/>
+              </a:spcAft>
+              <a:buSzPts val="852"/>
+              <a:buNone/>
+            </a:pPr>
+            <a:r>
+              <a:rPr lang="en" sz="800"/>
+              <a:t>[8] World Health Organization. (n.d.). Indicator metadata registry details. World Health Organization. Retrieved October 31, 2022, from </a:t>
+            </a:r>
+            <a:r>
+              <a:rPr lang="en" sz="800" u="sng">
+                <a:solidFill>
+                  <a:schemeClr val="hlink"/>
+                </a:solidFill>
+                <a:hlinkClick r:id="rId10"/>
+              </a:rPr>
+              <a:t>https://www.who.int/data/gho/indicator-metadata-registry/imr-details/1139#:~:text=The%20ratio%20between%20the%20number,year%2C%20usually%20multiplied%20by%201%2C000</a:t>
+            </a:r>
+            <a:r>
+              <a:rPr lang="en" sz="800"/>
+              <a:t>.</a:t>
+            </a:r>
+            <a:endParaRPr sz="800"/>
+          </a:p>
+        </p:txBody>
+      </p:sp>
+    </p:spTree>
+  </p:cSld>
+  <p:clrMapOvr>
+    <a:masterClrMapping/>
+  </p:clrMapOvr>
+</p:sld>
+</file>
+
+<file path=ppt/slides/slide11.xml><?xml version="1.0" encoding="utf-8"?>
+<p:sld xmlns:a="http://schemas.openxmlformats.org/drawingml/2006/main" xmlns:r="http://schemas.openxmlformats.org/officeDocument/2006/relationships" xmlns:mc="http://schemas.openxmlformats.org/markup-compatibility/2006" xmlns:mv="urn:schemas-microsoft-com:mac:vml" xmlns:p="http://schemas.openxmlformats.org/presentationml/2006/main" xmlns:c="http://schemas.openxmlformats.org/drawingml/2006/chart" xmlns:dgm="http://schemas.openxmlformats.org/drawingml/2006/diagram" xmlns:o="urn:schemas-microsoft-com:office:office" xmlns:v="urn:schemas-microsoft-com:vml" xmlns:pvml="urn:schemas-microsoft-com:office:powerpoint" xmlns:com="http://schemas.openxmlformats.org/drawingml/2006/compatibility" xmlns:p14="http://schemas.microsoft.com/office/powerpoint/2010/main" xmlns:p15="http://schemas.microsoft.com/office/powerpoint/2012/main" xmlns:ahyp="http://schemas.microsoft.com/office/drawing/2018/hyperlinkcolor">
+  <p:cSld>
+    <p:spTree>
+      <p:nvGrpSpPr>
+        <p:cNvPr id="128" name="Shape 128"/>
+        <p:cNvGrpSpPr/>
+        <p:nvPr/>
+      </p:nvGrpSpPr>
+      <p:grpSpPr>
+        <a:xfrm>
+          <a:off x="0" y="0"/>
+          <a:ext cx="0" cy="0"/>
+          <a:chOff x="0" y="0"/>
+          <a:chExt cx="0" cy="0"/>
+        </a:xfrm>
+      </p:grpSpPr>
+      <p:sp>
+        <p:nvSpPr>
+          <p:cNvPr id="129" name="Google Shape;129;p23"/>
           <p:cNvSpPr txBox="1"/>
           <p:nvPr>
             <p:ph idx="1" type="body"/>
@@ -7276,7 +7753,7 @@
         </p:spPr>
         <p:txBody>
           <a:bodyPr anchorCtr="0" anchor="t" bIns="91425" lIns="91425" spcFirstLastPara="1" rIns="91425" wrap="square" tIns="91425">
-            <a:normAutofit fontScale="92500" lnSpcReduction="10000"/>
+            <a:normAutofit/>
           </a:bodyPr>
           <a:lstStyle/>
           <a:p>
@@ -7290,14 +7767,10 @@
               <a:buNone/>
             </a:pPr>
             <a:r>
-              <a:rPr i="1" lang="en" sz="1100"/>
-              <a:t>“...</a:t>
-            </a:r>
-            <a:r>
-              <a:rPr i="1" lang="en" sz="1100"/>
-              <a:t>improvements in nutrition, water, medical care and other technological advances have contributed to a sharp decline in deaths while births continue to increase, resulting in population growth.”</a:t>
-            </a:r>
-            <a:endParaRPr i="1" sz="1100"/>
+              <a:rPr lang="en" sz="1050"/>
+              <a:t>America’s population exceeds 330 million, with a projected outlook of potentially reaching 400 million by mid-century. “Without a doubt, America’s population growth is a major factor affecting domestic demand for resources, including water, food and energy, and the worsening of the environment and climate change.</a:t>
+            </a:r>
+            <a:endParaRPr sz="1050"/>
           </a:p>
           <a:p>
             <a:pPr indent="0" lvl="0" marL="0" rtl="0" algn="l">
@@ -7310,11 +7783,11 @@
               <a:buNone/>
             </a:pPr>
             <a:r>
-              <a:rPr i="1" lang="en" sz="1100"/>
-              <a:t>- Study Session 2 Population Growth</a:t>
-            </a:r>
-            <a:r>
-              <a:rPr baseline="30000" i="1" lang="en" sz="1100" u="sng">
+              <a:rPr lang="en" sz="1050"/>
+              <a:t>- Joseph Chamie</a:t>
+            </a:r>
+            <a:r>
+              <a:rPr baseline="30000" lang="en" sz="1050" u="sng">
                 <a:solidFill>
                   <a:schemeClr val="hlink"/>
                 </a:solidFill>
@@ -7322,53 +7795,24 @@
               </a:rPr>
               <a:t>[6]</a:t>
             </a:r>
-            <a:endParaRPr baseline="30000" i="1" sz="1100"/>
+            <a:endParaRPr/>
           </a:p>
           <a:p>
-            <a:pPr indent="-302021" lvl="0" marL="457200" rtl="0" algn="l">
+            <a:pPr indent="-307975" lvl="0" marL="457200" rtl="0" algn="l">
               <a:spcBef>
                 <a:spcPts val="1200"/>
               </a:spcBef>
               <a:spcAft>
                 <a:spcPts val="0"/>
               </a:spcAft>
-              <a:buSzPct val="100000"/>
+              <a:buSzPts val="1250"/>
               <a:buChar char="●"/>
             </a:pPr>
             <a:r>
               <a:rPr lang="en" sz="1250"/>
-              <a:t>CDC estimates U.S. </a:t>
-            </a:r>
-            <a:r>
-              <a:rPr lang="en" sz="1250"/>
-              <a:t>population</a:t>
-            </a:r>
-            <a:r>
-              <a:rPr lang="en" sz="1250"/>
-              <a:t> to grow at faster rate from 2020-2050 compared to census in 2010-2020</a:t>
-            </a:r>
-            <a:endParaRPr sz="1250"/>
-          </a:p>
-          <a:p>
-            <a:pPr indent="-302021" lvl="0" marL="457200" rtl="0" algn="l">
-              <a:spcBef>
-                <a:spcPts val="0"/>
-              </a:spcBef>
-              <a:spcAft>
-                <a:spcPts val="0"/>
-              </a:spcAft>
-              <a:buSzPct val="100000"/>
-              <a:buChar char="●"/>
-            </a:pPr>
-            <a:r>
-              <a:rPr lang="en" sz="1250"/>
-              <a:t>Hypothesis: Thanks to advanced medicine and other technology, </a:t>
-            </a:r>
-            <a:r>
-              <a:rPr lang="en" sz="1250" u="sng"/>
-              <a:t>birth rates have become the primary contributor to the growing U.S. population</a:t>
-            </a:r>
-            <a:endParaRPr sz="1250" u="sng"/>
+              <a:t>CDC estimates U.S. population to grow at faster rate from 2020-2050 compared to census in 2010-2020</a:t>
+            </a:r>
+            <a:endParaRPr/>
           </a:p>
         </p:txBody>
       </p:sp>
@@ -7435,20 +7879,20 @@
         </p:nvSpPr>
         <p:spPr>
           <a:xfrm>
-            <a:off x="265500" y="1205825"/>
-            <a:ext cx="4045200" cy="1509600"/>
+            <a:off x="311700" y="445025"/>
+            <a:ext cx="8520600" cy="572700"/>
           </a:xfrm>
           <a:prstGeom prst="rect">
             <a:avLst/>
           </a:prstGeom>
         </p:spPr>
         <p:txBody>
-          <a:bodyPr anchorCtr="0" anchor="b" bIns="91425" lIns="91425" spcFirstLastPara="1" rIns="91425" wrap="square" tIns="91425">
-            <a:normAutofit/>
+          <a:bodyPr anchorCtr="0" anchor="t" bIns="91425" lIns="91425" spcFirstLastPara="1" rIns="91425" wrap="square" tIns="91425">
+            <a:normAutofit fontScale="90000"/>
           </a:bodyPr>
           <a:lstStyle/>
           <a:p>
-            <a:pPr indent="0" lvl="0" marL="0" rtl="0" algn="ctr">
+            <a:pPr indent="0" lvl="0" marL="0" rtl="0" algn="l">
               <a:spcBef>
                 <a:spcPts val="0"/>
               </a:spcBef>
@@ -7459,7 +7903,7 @@
             </a:pPr>
             <a:r>
               <a:rPr lang="en"/>
-              <a:t>U.S. Birth Trends</a:t>
+              <a:t>Objective</a:t>
             </a:r>
             <a:endParaRPr/>
           </a:p>
@@ -7470,13 +7914,13 @@
           <p:cNvPr id="73" name="Google Shape;73;p15"/>
           <p:cNvSpPr txBox="1"/>
           <p:nvPr>
-            <p:ph idx="1" type="subTitle"/>
+            <p:ph idx="1" type="body"/>
           </p:nvPr>
         </p:nvSpPr>
         <p:spPr>
           <a:xfrm>
-            <a:off x="265500" y="2769001"/>
-            <a:ext cx="4045200" cy="1345500"/>
+            <a:off x="311700" y="1152475"/>
+            <a:ext cx="3999900" cy="3416400"/>
           </a:xfrm>
           <a:prstGeom prst="rect">
             <a:avLst/>
@@ -7488,20 +7932,61 @@
           </a:bodyPr>
           <a:lstStyle/>
           <a:p>
-            <a:pPr indent="0" lvl="0" marL="0" rtl="0" algn="ctr">
-              <a:spcBef>
-                <a:spcPts val="0"/>
-              </a:spcBef>
-              <a:spcAft>
-                <a:spcPts val="0"/>
-              </a:spcAft>
-              <a:buNone/>
+            <a:pPr indent="-317500" lvl="0" marL="457200" rtl="0" algn="l">
+              <a:spcBef>
+                <a:spcPts val="0"/>
+              </a:spcBef>
+              <a:spcAft>
+                <a:spcPts val="0"/>
+              </a:spcAft>
+              <a:buSzPts val="1400"/>
+              <a:buChar char="●"/>
             </a:pPr>
             <a:r>
               <a:rPr lang="en"/>
-              <a:t>Population and Birth Data</a:t>
+              <a:t>The two factors contributing towards population are immigration and natural increase (difference in births and deaths)</a:t>
+            </a:r>
+            <a:r>
+              <a:rPr baseline="30000" lang="en" u="sng">
+                <a:solidFill>
+                  <a:schemeClr val="accent5"/>
+                </a:solidFill>
+                <a:hlinkClick r:id="rId3">
+                  <a:extLst>
+                    <a:ext uri="{A12FA001-AC4F-418D-AE19-62706E023703}">
+                      <ahyp:hlinkClr val="tx"/>
+                    </a:ext>
+                  </a:extLst>
+                </a:hlinkClick>
+              </a:rPr>
+              <a:t>[5]</a:t>
             </a:r>
             <a:endParaRPr/>
+          </a:p>
+          <a:p>
+            <a:pPr indent="-317500" lvl="0" marL="457200" rtl="0" algn="l">
+              <a:spcBef>
+                <a:spcPts val="0"/>
+              </a:spcBef>
+              <a:spcAft>
+                <a:spcPts val="0"/>
+              </a:spcAft>
+              <a:buSzPts val="1400"/>
+              <a:buChar char="●"/>
+            </a:pPr>
+            <a:r>
+              <a:rPr b="1" lang="en"/>
+              <a:t>Hypothesis</a:t>
+            </a:r>
+            <a:r>
+              <a:rPr lang="en"/>
+              <a:t>: </a:t>
+            </a:r>
+            <a:r>
+              <a:rPr lang="en" u="sng"/>
+              <a:t>Advanced medicine and technology has increased longevity and decreased death rates, making birth rates the primary contributor to the growing U.S. population</a:t>
+            </a:r>
+            <a:endParaRPr u="sng"/>
           </a:p>
         </p:txBody>
       </p:sp>
@@ -7515,86 +8000,64 @@
         </p:nvSpPr>
         <p:spPr>
           <a:xfrm>
-            <a:off x="4939500" y="724200"/>
-            <a:ext cx="3837000" cy="3695100"/>
+            <a:off x="4832400" y="1152475"/>
+            <a:ext cx="3999900" cy="3416400"/>
           </a:xfrm>
           <a:prstGeom prst="rect">
             <a:avLst/>
           </a:prstGeom>
         </p:spPr>
         <p:txBody>
-          <a:bodyPr anchorCtr="0" anchor="ctr" bIns="91425" lIns="91425" spcFirstLastPara="1" rIns="91425" wrap="square" tIns="91425">
+          <a:bodyPr anchorCtr="0" anchor="t" bIns="91425" lIns="91425" spcFirstLastPara="1" rIns="91425" wrap="square" tIns="91425">
             <a:normAutofit/>
           </a:bodyPr>
           <a:lstStyle/>
           <a:p>
-            <a:pPr indent="-342900" lvl="0" marL="457200" rtl="0" algn="l">
-              <a:spcBef>
-                <a:spcPts val="0"/>
-              </a:spcBef>
-              <a:spcAft>
-                <a:spcPts val="0"/>
-              </a:spcAft>
-              <a:buSzPts val="1800"/>
-              <a:buChar char="●"/>
+            <a:pPr indent="0" lvl="0" marL="0" rtl="0" algn="l">
+              <a:spcBef>
+                <a:spcPts val="0"/>
+              </a:spcBef>
+              <a:spcAft>
+                <a:spcPts val="0"/>
+              </a:spcAft>
+              <a:buNone/>
             </a:pPr>
             <a:r>
-              <a:rPr lang="en"/>
-              <a:t>CDC birth data between 2011-2020</a:t>
-            </a:r>
-            <a:r>
-              <a:rPr baseline="30000" lang="en" u="sng">
-                <a:solidFill>
-                  <a:schemeClr val="hlink"/>
-                </a:solidFill>
-                <a:hlinkClick r:id="rId3"/>
-              </a:rPr>
-              <a:t>[4]</a:t>
-            </a:r>
-            <a:endParaRPr/>
+              <a:rPr i="1" lang="en" sz="1100"/>
+              <a:t>“...improvements in nutrition, water, medical care and other technological advances have contributed to a sharp decline in deaths while births continue to increase, resulting in population growth.”</a:t>
+            </a:r>
+            <a:endParaRPr i="1" sz="1100"/>
           </a:p>
           <a:p>
-            <a:pPr indent="-342900" lvl="0" marL="457200" rtl="0" algn="l">
-              <a:spcBef>
-                <a:spcPts val="0"/>
-              </a:spcBef>
-              <a:spcAft>
-                <a:spcPts val="0"/>
-              </a:spcAft>
-              <a:buSzPts val="1800"/>
-              <a:buChar char="●"/>
+            <a:pPr indent="0" lvl="0" marL="0" rtl="0" algn="l">
+              <a:spcBef>
+                <a:spcPts val="1200"/>
+              </a:spcBef>
+              <a:spcAft>
+                <a:spcPts val="1200"/>
+              </a:spcAft>
+              <a:buNone/>
             </a:pPr>
             <a:r>
-              <a:rPr lang="en"/>
-              <a:t>2010 and 2020 census data</a:t>
-            </a:r>
-            <a:r>
-              <a:rPr baseline="30000" lang="en" u="sng">
-                <a:solidFill>
-                  <a:schemeClr val="hlink"/>
-                </a:solidFill>
-                <a:hlinkClick r:id="rId4"/>
+              <a:rPr i="1" lang="en" sz="1100"/>
+              <a:t>- Study Session 2 Population Growth</a:t>
+            </a:r>
+            <a:r>
+              <a:rPr baseline="30000" i="1" lang="en" sz="1100" u="sng">
+                <a:solidFill>
+                  <a:schemeClr val="accent5"/>
+                </a:solidFill>
+                <a:hlinkClick r:id="rId4">
+                  <a:extLst>
+                    <a:ext uri="{A12FA001-AC4F-418D-AE19-62706E023703}">
+                      <ahyp:hlinkClr val="tx"/>
+                    </a:ext>
+                  </a:extLst>
+                </a:hlinkClick>
               </a:rPr>
-              <a:t>[1]</a:t>
-            </a:r>
-            <a:r>
-              <a:rPr baseline="30000" lang="en"/>
-              <a:t>, </a:t>
-            </a:r>
-            <a:r>
-              <a:rPr baseline="30000" lang="en" u="sng">
-                <a:solidFill>
-                  <a:schemeClr val="hlink"/>
-                </a:solidFill>
-                <a:hlinkClick r:id="rId5"/>
-              </a:rPr>
-              <a:t>[2]</a:t>
-            </a:r>
-            <a:r>
-              <a:rPr lang="en"/>
-              <a:t> (for [approximate] population)</a:t>
-            </a:r>
-            <a:endParaRPr baseline="30000"/>
+              <a:t>[7]</a:t>
+            </a:r>
+            <a:endParaRPr b="1"/>
           </a:p>
         </p:txBody>
       </p:sp>
@@ -7633,6 +8096,204 @@
         </p:nvSpPr>
         <p:spPr>
           <a:xfrm>
+            <a:off x="265500" y="1205825"/>
+            <a:ext cx="4045200" cy="1509600"/>
+          </a:xfrm>
+          <a:prstGeom prst="rect">
+            <a:avLst/>
+          </a:prstGeom>
+        </p:spPr>
+        <p:txBody>
+          <a:bodyPr anchorCtr="0" anchor="b" bIns="91425" lIns="91425" spcFirstLastPara="1" rIns="91425" wrap="square" tIns="91425">
+            <a:normAutofit/>
+          </a:bodyPr>
+          <a:lstStyle/>
+          <a:p>
+            <a:pPr indent="0" lvl="0" marL="0" rtl="0" algn="ctr">
+              <a:spcBef>
+                <a:spcPts val="0"/>
+              </a:spcBef>
+              <a:spcAft>
+                <a:spcPts val="0"/>
+              </a:spcAft>
+              <a:buNone/>
+            </a:pPr>
+            <a:r>
+              <a:rPr lang="en"/>
+              <a:t>U.S. Birth Trends</a:t>
+            </a:r>
+            <a:endParaRPr/>
+          </a:p>
+        </p:txBody>
+      </p:sp>
+      <p:sp>
+        <p:nvSpPr>
+          <p:cNvPr id="80" name="Google Shape;80;p16"/>
+          <p:cNvSpPr txBox="1"/>
+          <p:nvPr>
+            <p:ph idx="1" type="subTitle"/>
+          </p:nvPr>
+        </p:nvSpPr>
+        <p:spPr>
+          <a:xfrm>
+            <a:off x="265500" y="2769001"/>
+            <a:ext cx="4045200" cy="1345500"/>
+          </a:xfrm>
+          <a:prstGeom prst="rect">
+            <a:avLst/>
+          </a:prstGeom>
+        </p:spPr>
+        <p:txBody>
+          <a:bodyPr anchorCtr="0" anchor="t" bIns="91425" lIns="91425" spcFirstLastPara="1" rIns="91425" wrap="square" tIns="91425">
+            <a:normAutofit/>
+          </a:bodyPr>
+          <a:lstStyle/>
+          <a:p>
+            <a:pPr indent="0" lvl="0" marL="0" rtl="0" algn="ctr">
+              <a:spcBef>
+                <a:spcPts val="0"/>
+              </a:spcBef>
+              <a:spcAft>
+                <a:spcPts val="0"/>
+              </a:spcAft>
+              <a:buNone/>
+            </a:pPr>
+            <a:r>
+              <a:rPr lang="en"/>
+              <a:t>Population and Birth Data</a:t>
+            </a:r>
+            <a:endParaRPr/>
+          </a:p>
+        </p:txBody>
+      </p:sp>
+      <p:sp>
+        <p:nvSpPr>
+          <p:cNvPr id="81" name="Google Shape;81;p16"/>
+          <p:cNvSpPr txBox="1"/>
+          <p:nvPr>
+            <p:ph idx="2" type="body"/>
+          </p:nvPr>
+        </p:nvSpPr>
+        <p:spPr>
+          <a:xfrm>
+            <a:off x="4939500" y="724200"/>
+            <a:ext cx="3837000" cy="3695100"/>
+          </a:xfrm>
+          <a:prstGeom prst="rect">
+            <a:avLst/>
+          </a:prstGeom>
+        </p:spPr>
+        <p:txBody>
+          <a:bodyPr anchorCtr="0" anchor="ctr" bIns="91425" lIns="91425" spcFirstLastPara="1" rIns="91425" wrap="square" tIns="91425">
+            <a:normAutofit/>
+          </a:bodyPr>
+          <a:lstStyle/>
+          <a:p>
+            <a:pPr indent="-342900" lvl="0" marL="457200" rtl="0" algn="l">
+              <a:spcBef>
+                <a:spcPts val="0"/>
+              </a:spcBef>
+              <a:spcAft>
+                <a:spcPts val="0"/>
+              </a:spcAft>
+              <a:buSzPts val="1800"/>
+              <a:buChar char="●"/>
+            </a:pPr>
+            <a:r>
+              <a:rPr lang="en"/>
+              <a:t>CDC birth data between 2011-2020</a:t>
+            </a:r>
+            <a:r>
+              <a:rPr baseline="30000" lang="en" u="sng">
+                <a:solidFill>
+                  <a:schemeClr val="hlink"/>
+                </a:solidFill>
+                <a:hlinkClick r:id="rId3"/>
+              </a:rPr>
+              <a:t>[4]</a:t>
+            </a:r>
+            <a:endParaRPr/>
+          </a:p>
+          <a:p>
+            <a:pPr indent="-342900" lvl="0" marL="457200" rtl="0" algn="l">
+              <a:spcBef>
+                <a:spcPts val="0"/>
+              </a:spcBef>
+              <a:spcAft>
+                <a:spcPts val="0"/>
+              </a:spcAft>
+              <a:buSzPts val="1800"/>
+              <a:buChar char="●"/>
+            </a:pPr>
+            <a:r>
+              <a:rPr lang="en"/>
+              <a:t>2010 and 2020 census data</a:t>
+            </a:r>
+            <a:r>
+              <a:rPr baseline="30000" lang="en" u="sng">
+                <a:solidFill>
+                  <a:schemeClr val="hlink"/>
+                </a:solidFill>
+                <a:hlinkClick r:id="rId4"/>
+              </a:rPr>
+              <a:t>[1]</a:t>
+            </a:r>
+            <a:r>
+              <a:rPr baseline="30000" lang="en"/>
+              <a:t>, </a:t>
+            </a:r>
+            <a:r>
+              <a:rPr baseline="30000" lang="en" u="sng">
+                <a:solidFill>
+                  <a:schemeClr val="hlink"/>
+                </a:solidFill>
+                <a:hlinkClick r:id="rId5"/>
+              </a:rPr>
+              <a:t>[2]</a:t>
+            </a:r>
+            <a:r>
+              <a:rPr lang="en"/>
+              <a:t> (for [approximate] population)</a:t>
+            </a:r>
+            <a:endParaRPr baseline="30000"/>
+          </a:p>
+        </p:txBody>
+      </p:sp>
+    </p:spTree>
+  </p:cSld>
+  <p:clrMapOvr>
+    <a:masterClrMapping/>
+  </p:clrMapOvr>
+</p:sld>
+</file>
+
+<file path=ppt/slides/slide5.xml><?xml version="1.0" encoding="utf-8"?>
+<p:sld xmlns:a="http://schemas.openxmlformats.org/drawingml/2006/main" xmlns:r="http://schemas.openxmlformats.org/officeDocument/2006/relationships" xmlns:mc="http://schemas.openxmlformats.org/markup-compatibility/2006" xmlns:mv="urn:schemas-microsoft-com:mac:vml" xmlns:p="http://schemas.openxmlformats.org/presentationml/2006/main" xmlns:c="http://schemas.openxmlformats.org/drawingml/2006/chart" xmlns:dgm="http://schemas.openxmlformats.org/drawingml/2006/diagram" xmlns:o="urn:schemas-microsoft-com:office:office" xmlns:v="urn:schemas-microsoft-com:vml" xmlns:pvml="urn:schemas-microsoft-com:office:powerpoint" xmlns:com="http://schemas.openxmlformats.org/drawingml/2006/compatibility" xmlns:p14="http://schemas.microsoft.com/office/powerpoint/2010/main" xmlns:p15="http://schemas.microsoft.com/office/powerpoint/2012/main" xmlns:ahyp="http://schemas.microsoft.com/office/drawing/2018/hyperlinkcolor">
+  <p:cSld>
+    <p:spTree>
+      <p:nvGrpSpPr>
+        <p:cNvPr id="85" name="Shape 85"/>
+        <p:cNvGrpSpPr/>
+        <p:nvPr/>
+      </p:nvGrpSpPr>
+      <p:grpSpPr>
+        <a:xfrm>
+          <a:off x="0" y="0"/>
+          <a:ext cx="0" cy="0"/>
+          <a:chOff x="0" y="0"/>
+          <a:chExt cx="0" cy="0"/>
+        </a:xfrm>
+      </p:grpSpPr>
+      <p:sp>
+        <p:nvSpPr>
+          <p:cNvPr id="86" name="Google Shape;86;p17"/>
+          <p:cNvSpPr txBox="1"/>
+          <p:nvPr>
+            <p:ph type="title"/>
+          </p:nvPr>
+        </p:nvSpPr>
+        <p:spPr>
+          <a:xfrm>
             <a:off x="311700" y="555600"/>
             <a:ext cx="2808000" cy="755700"/>
           </a:xfrm>
@@ -7665,7 +8326,7 @@
       </p:sp>
       <p:sp>
         <p:nvSpPr>
-          <p:cNvPr id="80" name="Google Shape;80;p16"/>
+          <p:cNvPr id="87" name="Google Shape;87;p17"/>
           <p:cNvSpPr txBox="1"/>
           <p:nvPr>
             <p:ph idx="1" type="body"/>
@@ -7747,7 +8408,7 @@
       </p:sp>
       <p:pic>
         <p:nvPicPr>
-          <p:cNvPr id="81" name="Google Shape;81;p16"/>
+          <p:cNvPr id="88" name="Google Shape;88;p17"/>
           <p:cNvPicPr preferRelativeResize="0"/>
           <p:nvPr/>
         </p:nvPicPr>
@@ -7775,7 +8436,7 @@
       </p:pic>
       <p:pic>
         <p:nvPicPr>
-          <p:cNvPr id="82" name="Google Shape;82;p16"/>
+          <p:cNvPr id="89" name="Google Shape;89;p17"/>
           <p:cNvPicPr preferRelativeResize="0"/>
           <p:nvPr/>
         </p:nvPicPr>
@@ -7809,12 +8470,12 @@
 </p:sld>
 </file>
 
-<file path=ppt/slides/slide5.xml><?xml version="1.0" encoding="utf-8"?>
+<file path=ppt/slides/slide6.xml><?xml version="1.0" encoding="utf-8"?>
 <p:sld xmlns:a="http://schemas.openxmlformats.org/drawingml/2006/main" xmlns:r="http://schemas.openxmlformats.org/officeDocument/2006/relationships" xmlns:mc="http://schemas.openxmlformats.org/markup-compatibility/2006" xmlns:mv="urn:schemas-microsoft-com:mac:vml" xmlns:p="http://schemas.openxmlformats.org/presentationml/2006/main" xmlns:c="http://schemas.openxmlformats.org/drawingml/2006/chart" xmlns:dgm="http://schemas.openxmlformats.org/drawingml/2006/diagram" xmlns:o="urn:schemas-microsoft-com:office:office" xmlns:v="urn:schemas-microsoft-com:vml" xmlns:pvml="urn:schemas-microsoft-com:office:powerpoint" xmlns:com="http://schemas.openxmlformats.org/drawingml/2006/compatibility" xmlns:p14="http://schemas.microsoft.com/office/powerpoint/2010/main" xmlns:p15="http://schemas.microsoft.com/office/powerpoint/2012/main" xmlns:ahyp="http://schemas.microsoft.com/office/drawing/2018/hyperlinkcolor">
   <p:cSld>
     <p:spTree>
       <p:nvGrpSpPr>
-        <p:cNvPr id="86" name="Shape 86"/>
+        <p:cNvPr id="93" name="Shape 93"/>
         <p:cNvGrpSpPr/>
         <p:nvPr/>
       </p:nvGrpSpPr>
@@ -7828,7 +8489,7 @@
       </p:grpSpPr>
       <p:sp>
         <p:nvSpPr>
-          <p:cNvPr id="87" name="Google Shape;87;p17"/>
+          <p:cNvPr id="94" name="Google Shape;94;p18"/>
           <p:cNvSpPr txBox="1"/>
           <p:nvPr>
             <p:ph type="title"/>
@@ -7868,7 +8529,7 @@
       </p:sp>
       <p:sp>
         <p:nvSpPr>
-          <p:cNvPr id="88" name="Google Shape;88;p17"/>
+          <p:cNvPr id="95" name="Google Shape;95;p18"/>
           <p:cNvSpPr txBox="1"/>
           <p:nvPr>
             <p:ph idx="1" type="body"/>
@@ -7922,7 +8583,19 @@
             </a:pPr>
             <a:r>
               <a:rPr lang="en"/>
-              <a:t>Data estimates birth rate to be </a:t>
+              <a:t>Data estimates </a:t>
+            </a:r>
+            <a:r>
+              <a:rPr lang="en">
+                <a:solidFill>
+                  <a:srgbClr val="1155CC"/>
+                </a:solidFill>
+              </a:rPr>
+              <a:t>birth rate</a:t>
+            </a:r>
+            <a:r>
+              <a:rPr lang="en"/>
+              <a:t> to be </a:t>
             </a:r>
             <a:r>
               <a:rPr b="1" lang="en"/>
@@ -7975,7 +8648,11 @@
               <a:buNone/>
             </a:pPr>
             <a:r>
-              <a:rPr lang="en"/>
+              <a:rPr lang="en">
+                <a:solidFill>
+                  <a:srgbClr val="1155CC"/>
+                </a:solidFill>
+              </a:rPr>
               <a:t>Birth rate</a:t>
             </a:r>
             <a:r>
@@ -7985,11 +8662,11 @@
                 </a:solidFill>
                 <a:hlinkClick r:id="rId3"/>
               </a:rPr>
-              <a:t>[7]</a:t>
+              <a:t>[8]</a:t>
             </a:r>
             <a:r>
               <a:rPr lang="en"/>
-              <a:t> - ratio of live births to total population [in that year], multiplied by 1000</a:t>
+              <a:t> - ratio of live births to total population [in that year], multiplied by 1000 - i.e. the frequency of births in a given population</a:t>
             </a:r>
             <a:endParaRPr/>
           </a:p>
@@ -7997,7 +8674,7 @@
       </p:sp>
       <p:pic>
         <p:nvPicPr>
-          <p:cNvPr id="89" name="Google Shape;89;p17"/>
+          <p:cNvPr id="96" name="Google Shape;96;p18"/>
           <p:cNvPicPr preferRelativeResize="0"/>
           <p:nvPr/>
         </p:nvPicPr>
@@ -8025,7 +8702,7 @@
       </p:pic>
       <p:pic>
         <p:nvPicPr>
-          <p:cNvPr id="90" name="Google Shape;90;p17"/>
+          <p:cNvPr id="97" name="Google Shape;97;p18"/>
           <p:cNvPicPr preferRelativeResize="0"/>
           <p:nvPr/>
         </p:nvPicPr>
@@ -8059,12 +8736,12 @@
 </p:sld>
 </file>
 
-<file path=ppt/slides/slide6.xml><?xml version="1.0" encoding="utf-8"?>
+<file path=ppt/slides/slide7.xml><?xml version="1.0" encoding="utf-8"?>
 <p:sld xmlns:a="http://schemas.openxmlformats.org/drawingml/2006/main" xmlns:r="http://schemas.openxmlformats.org/officeDocument/2006/relationships" xmlns:mc="http://schemas.openxmlformats.org/markup-compatibility/2006" xmlns:mv="urn:schemas-microsoft-com:mac:vml" xmlns:p="http://schemas.openxmlformats.org/presentationml/2006/main" xmlns:c="http://schemas.openxmlformats.org/drawingml/2006/chart" xmlns:dgm="http://schemas.openxmlformats.org/drawingml/2006/diagram" xmlns:o="urn:schemas-microsoft-com:office:office" xmlns:v="urn:schemas-microsoft-com:vml" xmlns:pvml="urn:schemas-microsoft-com:office:powerpoint" xmlns:com="http://schemas.openxmlformats.org/drawingml/2006/compatibility" xmlns:p14="http://schemas.microsoft.com/office/powerpoint/2010/main" xmlns:p15="http://schemas.microsoft.com/office/powerpoint/2012/main" xmlns:ahyp="http://schemas.microsoft.com/office/drawing/2018/hyperlinkcolor">
   <p:cSld>
     <p:spTree>
       <p:nvGrpSpPr>
-        <p:cNvPr id="94" name="Shape 94"/>
+        <p:cNvPr id="101" name="Shape 101"/>
         <p:cNvGrpSpPr/>
         <p:nvPr/>
       </p:nvGrpSpPr>
@@ -8078,7 +8755,7 @@
       </p:grpSpPr>
       <p:sp>
         <p:nvSpPr>
-          <p:cNvPr id="95" name="Google Shape;95;p18"/>
+          <p:cNvPr id="102" name="Google Shape;102;p19"/>
           <p:cNvSpPr txBox="1"/>
           <p:nvPr>
             <p:ph type="title"/>
@@ -8124,12 +8801,12 @@
 </p:sld>
 </file>
 
-<file path=ppt/slides/slide7.xml><?xml version="1.0" encoding="utf-8"?>
+<file path=ppt/slides/slide8.xml><?xml version="1.0" encoding="utf-8"?>
 <p:sld xmlns:a="http://schemas.openxmlformats.org/drawingml/2006/main" xmlns:r="http://schemas.openxmlformats.org/officeDocument/2006/relationships" xmlns:mc="http://schemas.openxmlformats.org/markup-compatibility/2006" xmlns:mv="urn:schemas-microsoft-com:mac:vml" xmlns:p="http://schemas.openxmlformats.org/presentationml/2006/main" xmlns:c="http://schemas.openxmlformats.org/drawingml/2006/chart" xmlns:dgm="http://schemas.openxmlformats.org/drawingml/2006/diagram" xmlns:o="urn:schemas-microsoft-com:office:office" xmlns:v="urn:schemas-microsoft-com:vml" xmlns:pvml="urn:schemas-microsoft-com:office:powerpoint" xmlns:com="http://schemas.openxmlformats.org/drawingml/2006/compatibility" xmlns:p14="http://schemas.microsoft.com/office/powerpoint/2010/main" xmlns:p15="http://schemas.microsoft.com/office/powerpoint/2012/main" xmlns:ahyp="http://schemas.microsoft.com/office/drawing/2018/hyperlinkcolor">
   <p:cSld>
     <p:spTree>
       <p:nvGrpSpPr>
-        <p:cNvPr id="99" name="Shape 99"/>
+        <p:cNvPr id="106" name="Shape 106"/>
         <p:cNvGrpSpPr/>
         <p:nvPr/>
       </p:nvGrpSpPr>
@@ -8143,7 +8820,7 @@
       </p:grpSpPr>
       <p:sp>
         <p:nvSpPr>
-          <p:cNvPr id="100" name="Google Shape;100;p19"/>
+          <p:cNvPr id="107" name="Google Shape;107;p20"/>
           <p:cNvSpPr txBox="1"/>
           <p:nvPr>
             <p:ph type="title"/>
@@ -8175,7 +8852,7 @@
             </a:pPr>
             <a:r>
               <a:rPr lang="en"/>
-              <a:t>Is Immigration the Primary Contributor?</a:t>
+              <a:t>How Does Immigration Affect The U.S. Population?</a:t>
             </a:r>
             <a:endParaRPr/>
           </a:p>
@@ -8183,7 +8860,7 @@
       </p:sp>
       <p:sp>
         <p:nvSpPr>
-          <p:cNvPr id="101" name="Google Shape;101;p19"/>
+          <p:cNvPr id="108" name="Google Shape;108;p20"/>
           <p:cNvSpPr txBox="1"/>
           <p:nvPr>
             <p:ph idx="1" type="body"/>
@@ -8205,6 +8882,9 @@
           <a:lstStyle/>
           <a:p>
             <a:pPr indent="0" lvl="0" marL="0" rtl="0" algn="l">
+              <a:lnSpc>
+                <a:spcPct val="95000"/>
+              </a:lnSpc>
               <a:spcBef>
                 <a:spcPts val="0"/>
               </a:spcBef>
@@ -8214,13 +8894,167 @@
               <a:buNone/>
             </a:pPr>
             <a:r>
-              <a:rPr i="1" lang="en" sz="1100"/>
-              <a:t>“Immigration, even at reduced levels, is for the first time making up a majority of population growth.</a:t>
-            </a:r>
-            <a:endParaRPr i="1" sz="1100"/>
+              <a:rPr lang="en" sz="1100"/>
+              <a:t>According to Joseph Chamie</a:t>
+            </a:r>
+            <a:r>
+              <a:rPr baseline="30000" lang="en" sz="1100" u="sng">
+                <a:solidFill>
+                  <a:schemeClr val="accent5"/>
+                </a:solidFill>
+                <a:hlinkClick r:id="rId3">
+                  <a:extLst>
+                    <a:ext uri="{A12FA001-AC4F-418D-AE19-62706E023703}">
+                      <ahyp:hlinkClr val="tx"/>
+                    </a:ext>
+                  </a:extLst>
+                </a:hlinkClick>
+              </a:rPr>
+              <a:t>[5]</a:t>
+            </a:r>
+            <a:r>
+              <a:rPr lang="en" sz="1100"/>
+              <a:t>:</a:t>
+            </a:r>
+            <a:endParaRPr sz="1100"/>
+          </a:p>
+          <a:p>
+            <a:pPr indent="-298450" lvl="0" marL="457200" rtl="0" algn="l">
+              <a:lnSpc>
+                <a:spcPct val="95000"/>
+              </a:lnSpc>
+              <a:spcBef>
+                <a:spcPts val="1200"/>
+              </a:spcBef>
+              <a:spcAft>
+                <a:spcPts val="0"/>
+              </a:spcAft>
+              <a:buSzPts val="1100"/>
+              <a:buChar char="●"/>
+            </a:pPr>
+            <a:r>
+              <a:rPr lang="en" sz="1100"/>
+              <a:t>Historic high of </a:t>
+            </a:r>
+            <a:r>
+              <a:rPr b="1" lang="en" sz="1100">
+                <a:solidFill>
+                  <a:srgbClr val="93C47D"/>
+                </a:solidFill>
+              </a:rPr>
+              <a:t>46.2 million</a:t>
+            </a:r>
+            <a:r>
+              <a:rPr lang="en" sz="1100"/>
+              <a:t> immigrants in America; </a:t>
+            </a:r>
+            <a:r>
+              <a:rPr b="1" lang="en" sz="1100">
+                <a:solidFill>
+                  <a:srgbClr val="93C47D"/>
+                </a:solidFill>
+              </a:rPr>
+              <a:t>14.2</a:t>
+            </a:r>
+            <a:r>
+              <a:rPr lang="en" sz="1100"/>
+              <a:t> percent of U.S. population</a:t>
+            </a:r>
+            <a:endParaRPr sz="1100"/>
+          </a:p>
+          <a:p>
+            <a:pPr indent="-298450" lvl="0" marL="457200" rtl="0" algn="l">
+              <a:lnSpc>
+                <a:spcPct val="95000"/>
+              </a:lnSpc>
+              <a:spcBef>
+                <a:spcPts val="0"/>
+              </a:spcBef>
+              <a:spcAft>
+                <a:spcPts val="0"/>
+              </a:spcAft>
+              <a:buSzPts val="1100"/>
+              <a:buChar char="●"/>
+            </a:pPr>
+            <a:r>
+              <a:rPr lang="en" sz="1100"/>
+              <a:t>Total immigrant population in 2030 expected to be </a:t>
+            </a:r>
+            <a:r>
+              <a:rPr b="1" lang="en" sz="1100">
+                <a:solidFill>
+                  <a:srgbClr val="6AA84F"/>
+                </a:solidFill>
+              </a:rPr>
+              <a:t>54 million</a:t>
+            </a:r>
+            <a:r>
+              <a:rPr lang="en" sz="1100"/>
+              <a:t>; about </a:t>
+            </a:r>
+            <a:r>
+              <a:rPr b="1" lang="en" sz="1100">
+                <a:solidFill>
+                  <a:srgbClr val="6AA84F"/>
+                </a:solidFill>
+              </a:rPr>
+              <a:t>15 percent</a:t>
+            </a:r>
+            <a:r>
+              <a:rPr lang="en" sz="1100"/>
+              <a:t> of total population</a:t>
+            </a:r>
+            <a:endParaRPr sz="1100"/>
+          </a:p>
+          <a:p>
+            <a:pPr indent="-298450" lvl="0" marL="457200" rtl="0" algn="l">
+              <a:lnSpc>
+                <a:spcPct val="95000"/>
+              </a:lnSpc>
+              <a:spcBef>
+                <a:spcPts val="0"/>
+              </a:spcBef>
+              <a:spcAft>
+                <a:spcPts val="0"/>
+              </a:spcAft>
+              <a:buSzPts val="1100"/>
+              <a:buChar char="●"/>
+            </a:pPr>
+            <a:r>
+              <a:rPr lang="en" sz="1100"/>
+              <a:t>Total in 2050 expected to be </a:t>
+            </a:r>
+            <a:r>
+              <a:rPr b="1" lang="en" sz="1100">
+                <a:solidFill>
+                  <a:srgbClr val="38761D"/>
+                </a:solidFill>
+              </a:rPr>
+              <a:t>65 million</a:t>
+            </a:r>
+            <a:r>
+              <a:rPr lang="en" sz="1100"/>
+              <a:t>; about </a:t>
+            </a:r>
+            <a:r>
+              <a:rPr b="1" lang="en" sz="1100">
+                <a:solidFill>
+                  <a:srgbClr val="38761D"/>
+                </a:solidFill>
+              </a:rPr>
+              <a:t>17 percent</a:t>
+            </a:r>
+            <a:r>
+              <a:rPr lang="en" sz="1100"/>
+              <a:t> of population</a:t>
+            </a:r>
+            <a:endParaRPr sz="1100"/>
           </a:p>
           <a:p>
             <a:pPr indent="0" lvl="0" marL="0" rtl="0" algn="l">
+              <a:lnSpc>
+                <a:spcPct val="95000"/>
+              </a:lnSpc>
               <a:spcBef>
                 <a:spcPts val="1200"/>
               </a:spcBef>
@@ -8230,13 +9064,15 @@
               <a:buNone/>
             </a:pPr>
             <a:r>
-              <a:rPr i="1" lang="en" sz="1100"/>
-              <a:t>In part this is because Americans are dying at higher rates and having fewer babies, trends accelerated during the coronavirus pandemic. But it’s also because there are signs that immigration is picking up again.”</a:t>
-            </a:r>
-            <a:endParaRPr i="1" sz="1100"/>
+              <a:t/>
+            </a:r>
+            <a:endParaRPr sz="1100"/>
           </a:p>
           <a:p>
             <a:pPr indent="0" lvl="0" marL="0" rtl="0" algn="l">
+              <a:lnSpc>
+                <a:spcPct val="95000"/>
+              </a:lnSpc>
               <a:spcBef>
                 <a:spcPts val="1200"/>
               </a:spcBef>
@@ -8246,19 +9082,9 @@
               <a:buNone/>
             </a:pPr>
             <a:r>
-              <a:rPr i="1" lang="en" sz="1100"/>
-              <a:t>- New York Times</a:t>
-            </a:r>
-            <a:r>
-              <a:rPr baseline="30000" i="1" lang="en" sz="1100" u="sng">
-                <a:solidFill>
-                  <a:schemeClr val="hlink"/>
-                </a:solidFill>
-                <a:hlinkClick r:id="rId3"/>
-              </a:rPr>
-              <a:t>[5]</a:t>
-            </a:r>
-            <a:endParaRPr/>
+              <a:t/>
+            </a:r>
+            <a:endParaRPr sz="1100"/>
           </a:p>
           <a:p>
             <a:pPr indent="0" lvl="0" marL="0" rtl="0" algn="l">
@@ -8271,41 +9097,47 @@
               <a:buNone/>
             </a:pPr>
             <a:r>
-              <a:t/>
-            </a:r>
-            <a:endParaRPr/>
+              <a:rPr lang="en" sz="900"/>
+              <a:t>“With the aging of America’s overall population and baby boomers reaching the oldest ages, deaths are expected to increase more rapidly than births. Consequently, by mid-century immigration is expected to be contributing twice as many people to America’s population as natural increase.”</a:t>
+            </a:r>
+            <a:endParaRPr sz="900"/>
           </a:p>
           <a:p>
-            <a:pPr indent="-317500" lvl="0" marL="457200" rtl="0" algn="l">
+            <a:pPr indent="0" lvl="0" marL="0" rtl="0" algn="l">
               <a:spcBef>
                 <a:spcPts val="1200"/>
               </a:spcBef>
               <a:spcAft>
-                <a:spcPts val="0"/>
-              </a:spcAft>
-              <a:buSzPts val="1400"/>
-              <a:buChar char="●"/>
+                <a:spcPts val="1200"/>
+              </a:spcAft>
+              <a:buNone/>
             </a:pPr>
             <a:r>
-              <a:rPr lang="en"/>
-              <a:t>The two factors contributing towards population are immigration and natural increase (difference in births and deaths)</a:t>
-            </a:r>
-            <a:r>
-              <a:rPr baseline="30000" lang="en" u="sng">
-                <a:solidFill>
-                  <a:schemeClr val="hlink"/>
-                </a:solidFill>
-                <a:hlinkClick r:id="rId4"/>
+              <a:rPr lang="en" sz="900"/>
+              <a:t>- Joseph Chamie (The Hill)</a:t>
+            </a:r>
+            <a:r>
+              <a:rPr baseline="30000" lang="en" sz="900" u="sng">
+                <a:solidFill>
+                  <a:schemeClr val="accent5"/>
+                </a:solidFill>
+                <a:hlinkClick r:id="rId4">
+                  <a:extLst>
+                    <a:ext uri="{A12FA001-AC4F-418D-AE19-62706E023703}">
+                      <ahyp:hlinkClr val="tx"/>
+                    </a:ext>
+                  </a:extLst>
+                </a:hlinkClick>
               </a:rPr>
               <a:t>[5]</a:t>
             </a:r>
-            <a:endParaRPr/>
+            <a:endParaRPr sz="1100"/>
           </a:p>
         </p:txBody>
       </p:sp>
       <p:pic>
         <p:nvPicPr>
-          <p:cNvPr id="102" name="Google Shape;102;p19"/>
+          <p:cNvPr id="109" name="Google Shape;109;p20"/>
           <p:cNvPicPr preferRelativeResize="0"/>
           <p:nvPr/>
         </p:nvPicPr>
@@ -8319,8 +9151,8 @@
         </p:blipFill>
         <p:spPr>
           <a:xfrm>
-            <a:off x="4311600" y="1017725"/>
-            <a:ext cx="4832400" cy="2902578"/>
+            <a:off x="4198325" y="1731398"/>
+            <a:ext cx="4945676" cy="3058100"/>
           </a:xfrm>
           <a:prstGeom prst="rect">
             <a:avLst/>
@@ -8333,14 +9165,14 @@
       </p:pic>
       <p:sp>
         <p:nvSpPr>
-          <p:cNvPr id="103" name="Google Shape;103;p19"/>
+          <p:cNvPr id="110" name="Google Shape;110;p20"/>
           <p:cNvSpPr txBox="1"/>
           <p:nvPr/>
         </p:nvSpPr>
         <p:spPr>
           <a:xfrm>
-            <a:off x="4490100" y="3920300"/>
-            <a:ext cx="4475400" cy="307800"/>
+            <a:off x="7435800" y="4820400"/>
+            <a:ext cx="1708200" cy="323100"/>
           </a:xfrm>
           <a:prstGeom prst="rect">
             <a:avLst/>
@@ -8366,10 +9198,33 @@
               <a:buNone/>
             </a:pPr>
             <a:r>
-              <a:rPr lang="en" sz="800"/>
-              <a:t>Source: U.S. Census Bureau, Population Estimates Program  By The New York Times</a:t>
-            </a:r>
-            <a:endParaRPr sz="800"/>
+              <a:rPr lang="en" sz="900">
+                <a:latin typeface="Proxima Nova"/>
+                <a:ea typeface="Proxima Nova"/>
+                <a:cs typeface="Proxima Nova"/>
+                <a:sym typeface="Proxima Nova"/>
+              </a:rPr>
+              <a:t>Data source: Joseph Chamie</a:t>
+            </a:r>
+            <a:r>
+              <a:rPr baseline="30000" lang="en" sz="900" u="sng">
+                <a:solidFill>
+                  <a:schemeClr val="hlink"/>
+                </a:solidFill>
+                <a:latin typeface="Proxima Nova"/>
+                <a:ea typeface="Proxima Nova"/>
+                <a:cs typeface="Proxima Nova"/>
+                <a:sym typeface="Proxima Nova"/>
+                <a:hlinkClick r:id="rId6"/>
+              </a:rPr>
+              <a:t>[5]</a:t>
+            </a:r>
+            <a:endParaRPr baseline="30000" sz="900">
+              <a:latin typeface="Proxima Nova"/>
+              <a:ea typeface="Proxima Nova"/>
+              <a:cs typeface="Proxima Nova"/>
+              <a:sym typeface="Proxima Nova"/>
+            </a:endParaRPr>
           </a:p>
         </p:txBody>
       </p:sp>
@@ -8381,12 +9236,12 @@
 </p:sld>
 </file>
 
-<file path=ppt/slides/slide8.xml><?xml version="1.0" encoding="utf-8"?>
+<file path=ppt/slides/slide9.xml><?xml version="1.0" encoding="utf-8"?>
 <p:sld xmlns:a="http://schemas.openxmlformats.org/drawingml/2006/main" xmlns:r="http://schemas.openxmlformats.org/officeDocument/2006/relationships" xmlns:mc="http://schemas.openxmlformats.org/markup-compatibility/2006" xmlns:mv="urn:schemas-microsoft-com:mac:vml" xmlns:p="http://schemas.openxmlformats.org/presentationml/2006/main" xmlns:c="http://schemas.openxmlformats.org/drawingml/2006/chart" xmlns:dgm="http://schemas.openxmlformats.org/drawingml/2006/diagram" xmlns:o="urn:schemas-microsoft-com:office:office" xmlns:v="urn:schemas-microsoft-com:vml" xmlns:pvml="urn:schemas-microsoft-com:office:powerpoint" xmlns:com="http://schemas.openxmlformats.org/drawingml/2006/compatibility" xmlns:p14="http://schemas.microsoft.com/office/powerpoint/2010/main" xmlns:p15="http://schemas.microsoft.com/office/powerpoint/2012/main" xmlns:ahyp="http://schemas.microsoft.com/office/drawing/2018/hyperlinkcolor">
   <p:cSld>
     <p:spTree>
       <p:nvGrpSpPr>
-        <p:cNvPr id="107" name="Shape 107"/>
+        <p:cNvPr id="114" name="Shape 114"/>
         <p:cNvGrpSpPr/>
         <p:nvPr/>
       </p:nvGrpSpPr>
@@ -8400,7 +9255,7 @@
       </p:grpSpPr>
       <p:sp>
         <p:nvSpPr>
-          <p:cNvPr id="108" name="Google Shape;108;p20"/>
+          <p:cNvPr id="115" name="Google Shape;115;p21"/>
           <p:cNvSpPr txBox="1"/>
           <p:nvPr>
             <p:ph type="title"/>
@@ -8440,7 +9295,7 @@
       </p:sp>
       <p:sp>
         <p:nvSpPr>
-          <p:cNvPr id="109" name="Google Shape;109;p20"/>
+          <p:cNvPr id="116" name="Google Shape;116;p21"/>
           <p:cNvSpPr txBox="1"/>
           <p:nvPr>
             <p:ph idx="1" type="body"/>
@@ -8461,31 +9316,31 @@
           </a:bodyPr>
           <a:lstStyle/>
           <a:p>
-            <a:pPr indent="-317500" lvl="0" marL="457200" rtl="0" algn="l">
-              <a:spcBef>
-                <a:spcPts val="0"/>
-              </a:spcBef>
-              <a:spcAft>
-                <a:spcPts val="0"/>
-              </a:spcAft>
-              <a:buSzPts val="1400"/>
+            <a:pPr indent="-311150" lvl="0" marL="457200" rtl="0" algn="l">
+              <a:spcBef>
+                <a:spcPts val="0"/>
+              </a:spcBef>
+              <a:spcAft>
+                <a:spcPts val="0"/>
+              </a:spcAft>
+              <a:buSzPts val="1300"/>
               <a:buChar char="●"/>
             </a:pPr>
             <a:r>
-              <a:rPr b="1" lang="en"/>
+              <a:rPr b="1" lang="en" sz="1300"/>
               <a:t>Hypothesis</a:t>
             </a:r>
             <a:r>
-              <a:rPr lang="en"/>
+              <a:rPr lang="en" sz="1300"/>
               <a:t>: Birth rates are the primary contributor to the growing U.S. population</a:t>
             </a:r>
-            <a:endParaRPr/>
+            <a:endParaRPr sz="1300"/>
           </a:p>
         </p:txBody>
       </p:sp>
       <p:sp>
         <p:nvSpPr>
-          <p:cNvPr id="110" name="Google Shape;110;p20"/>
+          <p:cNvPr id="117" name="Google Shape;117;p21"/>
           <p:cNvSpPr txBox="1"/>
           <p:nvPr>
             <p:ph idx="2" type="body"/>
@@ -8506,605 +9361,76 @@
           </a:bodyPr>
           <a:lstStyle/>
           <a:p>
-            <a:pPr indent="-317500" lvl="0" marL="457200" rtl="0" algn="l">
-              <a:spcBef>
-                <a:spcPts val="0"/>
-              </a:spcBef>
-              <a:spcAft>
-                <a:spcPts val="0"/>
-              </a:spcAft>
-              <a:buSzPts val="1400"/>
+            <a:pPr indent="-311150" lvl="0" marL="457200" rtl="0" algn="l">
+              <a:spcBef>
+                <a:spcPts val="0"/>
+              </a:spcBef>
+              <a:spcAft>
+                <a:spcPts val="0"/>
+              </a:spcAft>
+              <a:buSzPts val="1300"/>
               <a:buChar char="●"/>
             </a:pPr>
             <a:r>
-              <a:rPr b="1" lang="en"/>
+              <a:rPr b="1" lang="en" sz="1300"/>
               <a:t>Conclusion</a:t>
             </a:r>
             <a:r>
-              <a:rPr lang="en"/>
-              <a:t>: While birth rates previously were on the high end, they are NOT the primary contributor anymore</a:t>
-            </a:r>
-            <a:endParaRPr/>
+              <a:rPr lang="en" sz="1300"/>
+              <a:t>: Immigration is the primary contributor; birth rates are not.</a:t>
+            </a:r>
+            <a:endParaRPr sz="1300"/>
           </a:p>
           <a:p>
-            <a:pPr indent="-317500" lvl="0" marL="457200" rtl="0" algn="l">
-              <a:spcBef>
-                <a:spcPts val="0"/>
-              </a:spcBef>
-              <a:spcAft>
-                <a:spcPts val="0"/>
-              </a:spcAft>
-              <a:buSzPts val="1400"/>
+            <a:pPr indent="-311150" lvl="0" marL="457200" rtl="0" algn="l">
+              <a:spcBef>
+                <a:spcPts val="0"/>
+              </a:spcBef>
+              <a:spcAft>
+                <a:spcPts val="0"/>
+              </a:spcAft>
+              <a:buSzPts val="1300"/>
               <a:buChar char="●"/>
             </a:pPr>
             <a:r>
-              <a:rPr lang="en"/>
-              <a:t>Birth rates decreased over 37,771 a year on average between 2011 and 2020</a:t>
-            </a:r>
-            <a:endParaRPr/>
+              <a:rPr lang="en" sz="1300"/>
+              <a:t>While birth rates previously were on the high end, they are NOT the primary contributor anymore.</a:t>
+            </a:r>
+            <a:endParaRPr sz="1300"/>
           </a:p>
           <a:p>
-            <a:pPr indent="-317500" lvl="0" marL="457200" rtl="0" algn="l">
-              <a:spcBef>
-                <a:spcPts val="0"/>
-              </a:spcBef>
-              <a:spcAft>
-                <a:spcPts val="0"/>
-              </a:spcAft>
-              <a:buSzPts val="1400"/>
+            <a:pPr indent="-311150" lvl="0" marL="457200" rtl="0" algn="l">
+              <a:spcBef>
+                <a:spcPts val="0"/>
+              </a:spcBef>
+              <a:spcAft>
+                <a:spcPts val="0"/>
+              </a:spcAft>
+              <a:buSzPts val="1300"/>
               <a:buChar char="●"/>
             </a:pPr>
             <a:r>
-              <a:rPr lang="en"/>
-              <a:t>Increasing immigration trends will potentially result in a 2-to-1 ratio of population contribution compared to natural increase</a:t>
-            </a:r>
-            <a:endParaRPr/>
-          </a:p>
-        </p:txBody>
-      </p:sp>
-      <p:pic>
-        <p:nvPicPr>
-          <p:cNvPr id="111" name="Google Shape;111;p20"/>
-          <p:cNvPicPr preferRelativeResize="0"/>
-          <p:nvPr/>
-        </p:nvPicPr>
-        <p:blipFill>
-          <a:blip r:embed="rId3">
-            <a:alphaModFix/>
-          </a:blip>
-          <a:stretch>
-            <a:fillRect/>
-          </a:stretch>
-        </p:blipFill>
-        <p:spPr>
-          <a:xfrm>
-            <a:off x="0" y="1856323"/>
-            <a:ext cx="4945676" cy="3058100"/>
-          </a:xfrm>
-          <a:prstGeom prst="rect">
-            <a:avLst/>
-          </a:prstGeom>
-          <a:noFill/>
-          <a:ln>
-            <a:noFill/>
-          </a:ln>
-        </p:spPr>
-      </p:pic>
-      <p:sp>
-        <p:nvSpPr>
-          <p:cNvPr id="112" name="Google Shape;112;p20"/>
-          <p:cNvSpPr txBox="1"/>
-          <p:nvPr/>
-        </p:nvSpPr>
-        <p:spPr>
-          <a:xfrm>
-            <a:off x="0" y="4789500"/>
-            <a:ext cx="4737300" cy="354000"/>
-          </a:xfrm>
-          <a:prstGeom prst="rect">
-            <a:avLst/>
-          </a:prstGeom>
-          <a:noFill/>
-          <a:ln>
-            <a:noFill/>
-          </a:ln>
-        </p:spPr>
-        <p:txBody>
-          <a:bodyPr anchorCtr="0" anchor="t" bIns="91425" lIns="91425" spcFirstLastPara="1" rIns="91425" wrap="square" tIns="91425">
-            <a:spAutoFit/>
-          </a:bodyPr>
-          <a:lstStyle/>
-          <a:p>
-            <a:pPr indent="0" lvl="0" marL="0" rtl="0" algn="l">
-              <a:spcBef>
-                <a:spcPts val="0"/>
-              </a:spcBef>
-              <a:spcAft>
-                <a:spcPts val="0"/>
-              </a:spcAft>
-              <a:buNone/>
-            </a:pPr>
-            <a:r>
-              <a:rPr lang="en" sz="1100">
-                <a:latin typeface="Proxima Nova"/>
-                <a:ea typeface="Proxima Nova"/>
-                <a:cs typeface="Proxima Nova"/>
-                <a:sym typeface="Proxima Nova"/>
-              </a:rPr>
-              <a:t>Data source: Joseph Chamie</a:t>
-            </a:r>
-            <a:r>
-              <a:rPr baseline="30000" lang="en" sz="1100" u="sng">
-                <a:solidFill>
-                  <a:schemeClr val="hlink"/>
-                </a:solidFill>
-                <a:latin typeface="Proxima Nova"/>
-                <a:ea typeface="Proxima Nova"/>
-                <a:cs typeface="Proxima Nova"/>
-                <a:sym typeface="Proxima Nova"/>
-                <a:hlinkClick r:id="rId4"/>
-              </a:rPr>
-              <a:t>[5]</a:t>
-            </a:r>
-            <a:endParaRPr baseline="30000" sz="1100">
-              <a:latin typeface="Proxima Nova"/>
-              <a:ea typeface="Proxima Nova"/>
-              <a:cs typeface="Proxima Nova"/>
-              <a:sym typeface="Proxima Nova"/>
-            </a:endParaRPr>
-          </a:p>
-        </p:txBody>
-      </p:sp>
-      <p:sp>
-        <p:nvSpPr>
-          <p:cNvPr id="113" name="Google Shape;113;p20"/>
-          <p:cNvSpPr txBox="1"/>
-          <p:nvPr/>
-        </p:nvSpPr>
-        <p:spPr>
-          <a:xfrm>
-            <a:off x="5645500" y="3595850"/>
-            <a:ext cx="2811300" cy="1433100"/>
-          </a:xfrm>
-          <a:prstGeom prst="rect">
-            <a:avLst/>
-          </a:prstGeom>
-          <a:noFill/>
-          <a:ln>
-            <a:noFill/>
-          </a:ln>
-        </p:spPr>
-        <p:txBody>
-          <a:bodyPr anchorCtr="0" anchor="t" bIns="91425" lIns="91425" spcFirstLastPara="1" rIns="91425" wrap="square" tIns="91425">
-            <a:spAutoFit/>
-          </a:bodyPr>
-          <a:lstStyle/>
-          <a:p>
-            <a:pPr indent="0" lvl="0" marL="0" rtl="0" algn="l">
-              <a:lnSpc>
-                <a:spcPct val="115000"/>
-              </a:lnSpc>
-              <a:spcBef>
-                <a:spcPts val="0"/>
-              </a:spcBef>
-              <a:spcAft>
-                <a:spcPts val="0"/>
-              </a:spcAft>
-              <a:buNone/>
-            </a:pPr>
-            <a:r>
-              <a:rPr lang="en" sz="900">
-                <a:solidFill>
-                  <a:schemeClr val="accent3"/>
-                </a:solidFill>
-                <a:latin typeface="Proxima Nova"/>
-                <a:ea typeface="Proxima Nova"/>
-                <a:cs typeface="Proxima Nova"/>
-                <a:sym typeface="Proxima Nova"/>
-              </a:rPr>
-              <a:t>“With the aging of America’s overall population and baby boomers reaching the oldest ages, deaths are expected to increase more rapidly than births. Consequently, by mid-century immigration is expected to be contributing twice as many people to America’s population as natural increase.”</a:t>
-            </a:r>
-            <a:endParaRPr sz="900">
-              <a:solidFill>
-                <a:schemeClr val="accent3"/>
-              </a:solidFill>
-              <a:latin typeface="Proxima Nova"/>
-              <a:ea typeface="Proxima Nova"/>
-              <a:cs typeface="Proxima Nova"/>
-              <a:sym typeface="Proxima Nova"/>
-            </a:endParaRPr>
+              <a:rPr lang="en" sz="1300"/>
+              <a:t>Birth rates decreased over 37,771 a year on average between 2011 and 2020</a:t>
+            </a:r>
+            <a:endParaRPr sz="1300"/>
           </a:p>
           <a:p>
-            <a:pPr indent="0" lvl="0" marL="0" rtl="0" algn="l">
-              <a:lnSpc>
-                <a:spcPct val="115000"/>
-              </a:lnSpc>
-              <a:spcBef>
-                <a:spcPts val="1200"/>
-              </a:spcBef>
-              <a:spcAft>
-                <a:spcPts val="1200"/>
-              </a:spcAft>
-              <a:buNone/>
+            <a:pPr indent="-311150" lvl="0" marL="457200" rtl="0" algn="l">
+              <a:spcBef>
+                <a:spcPts val="0"/>
+              </a:spcBef>
+              <a:spcAft>
+                <a:spcPts val="0"/>
+              </a:spcAft>
+              <a:buSzPts val="1300"/>
+              <a:buChar char="●"/>
             </a:pPr>
             <a:r>
-              <a:rPr lang="en" sz="900">
-                <a:solidFill>
-                  <a:schemeClr val="accent3"/>
-                </a:solidFill>
-                <a:latin typeface="Proxima Nova"/>
-                <a:ea typeface="Proxima Nova"/>
-                <a:cs typeface="Proxima Nova"/>
-                <a:sym typeface="Proxima Nova"/>
-              </a:rPr>
-              <a:t>- Joseph Chamie (The Hill)</a:t>
-            </a:r>
-            <a:r>
-              <a:rPr baseline="30000" lang="en" sz="900" u="sng">
-                <a:solidFill>
-                  <a:schemeClr val="accent5"/>
-                </a:solidFill>
-                <a:latin typeface="Proxima Nova"/>
-                <a:ea typeface="Proxima Nova"/>
-                <a:cs typeface="Proxima Nova"/>
-                <a:sym typeface="Proxima Nova"/>
-                <a:hlinkClick r:id="rId5">
-                  <a:extLst>
-                    <a:ext uri="{A12FA001-AC4F-418D-AE19-62706E023703}">
-                      <ahyp:hlinkClr val="tx"/>
-                    </a:ext>
-                  </a:extLst>
-                </a:hlinkClick>
-              </a:rPr>
-              <a:t>[5]</a:t>
-            </a:r>
-            <a:endParaRPr sz="900">
-              <a:latin typeface="Proxima Nova"/>
-              <a:ea typeface="Proxima Nova"/>
-              <a:cs typeface="Proxima Nova"/>
-              <a:sym typeface="Proxima Nova"/>
-            </a:endParaRPr>
-          </a:p>
-        </p:txBody>
-      </p:sp>
-    </p:spTree>
-  </p:cSld>
-  <p:clrMapOvr>
-    <a:masterClrMapping/>
-  </p:clrMapOvr>
-</p:sld>
-</file>
-
-<file path=ppt/slides/slide9.xml><?xml version="1.0" encoding="utf-8"?>
-<p:sld xmlns:a="http://schemas.openxmlformats.org/drawingml/2006/main" xmlns:r="http://schemas.openxmlformats.org/officeDocument/2006/relationships" xmlns:mc="http://schemas.openxmlformats.org/markup-compatibility/2006" xmlns:mv="urn:schemas-microsoft-com:mac:vml" xmlns:p="http://schemas.openxmlformats.org/presentationml/2006/main" xmlns:c="http://schemas.openxmlformats.org/drawingml/2006/chart" xmlns:dgm="http://schemas.openxmlformats.org/drawingml/2006/diagram" xmlns:o="urn:schemas-microsoft-com:office:office" xmlns:v="urn:schemas-microsoft-com:vml" xmlns:pvml="urn:schemas-microsoft-com:office:powerpoint" xmlns:com="http://schemas.openxmlformats.org/drawingml/2006/compatibility" xmlns:p14="http://schemas.microsoft.com/office/powerpoint/2010/main" xmlns:p15="http://schemas.microsoft.com/office/powerpoint/2012/main" xmlns:ahyp="http://schemas.microsoft.com/office/drawing/2018/hyperlinkcolor">
-  <p:cSld>
-    <p:spTree>
-      <p:nvGrpSpPr>
-        <p:cNvPr id="117" name="Shape 117"/>
-        <p:cNvGrpSpPr/>
-        <p:nvPr/>
-      </p:nvGrpSpPr>
-      <p:grpSpPr>
-        <a:xfrm>
-          <a:off x="0" y="0"/>
-          <a:ext cx="0" cy="0"/>
-          <a:chOff x="0" y="0"/>
-          <a:chExt cx="0" cy="0"/>
-        </a:xfrm>
-      </p:grpSpPr>
-      <p:sp>
-        <p:nvSpPr>
-          <p:cNvPr id="118" name="Google Shape;118;p21"/>
-          <p:cNvSpPr txBox="1"/>
-          <p:nvPr>
-            <p:ph type="title"/>
-          </p:nvPr>
-        </p:nvSpPr>
-        <p:spPr>
-          <a:xfrm>
-            <a:off x="311700" y="445025"/>
-            <a:ext cx="8520600" cy="572700"/>
-          </a:xfrm>
-          <a:prstGeom prst="rect">
-            <a:avLst/>
-          </a:prstGeom>
-        </p:spPr>
-        <p:txBody>
-          <a:bodyPr anchorCtr="0" anchor="t" bIns="91425" lIns="91425" spcFirstLastPara="1" rIns="91425" wrap="square" tIns="91425">
-            <a:normAutofit fontScale="90000"/>
-          </a:bodyPr>
-          <a:lstStyle/>
-          <a:p>
-            <a:pPr indent="0" lvl="0" marL="0" rtl="0" algn="l">
-              <a:spcBef>
-                <a:spcPts val="0"/>
-              </a:spcBef>
-              <a:spcAft>
-                <a:spcPts val="0"/>
-              </a:spcAft>
-              <a:buNone/>
-            </a:pPr>
-            <a:r>
-              <a:rPr lang="en"/>
-              <a:t>References and Appendix</a:t>
-            </a:r>
-            <a:endParaRPr/>
-          </a:p>
-        </p:txBody>
-      </p:sp>
-      <p:sp>
-        <p:nvSpPr>
-          <p:cNvPr id="119" name="Google Shape;119;p21"/>
-          <p:cNvSpPr txBox="1"/>
-          <p:nvPr>
-            <p:ph idx="1" type="body"/>
-          </p:nvPr>
-        </p:nvSpPr>
-        <p:spPr>
-          <a:xfrm>
-            <a:off x="311700" y="1152475"/>
-            <a:ext cx="3999900" cy="3416400"/>
-          </a:xfrm>
-          <a:prstGeom prst="rect">
-            <a:avLst/>
-          </a:prstGeom>
-        </p:spPr>
-        <p:txBody>
-          <a:bodyPr anchorCtr="0" anchor="t" bIns="91425" lIns="91425" spcFirstLastPara="1" rIns="91425" wrap="square" tIns="91425">
-            <a:noAutofit/>
-          </a:bodyPr>
-          <a:lstStyle/>
-          <a:p>
-            <a:pPr indent="0" lvl="0" marL="0" rtl="0" algn="l">
-              <a:spcBef>
-                <a:spcPts val="0"/>
-              </a:spcBef>
-              <a:spcAft>
-                <a:spcPts val="0"/>
-              </a:spcAft>
-              <a:buNone/>
-            </a:pPr>
-            <a:r>
-              <a:rPr lang="en" sz="850"/>
-              <a:t>DATA</a:t>
-            </a:r>
-            <a:endParaRPr sz="850"/>
-          </a:p>
-          <a:p>
-            <a:pPr indent="0" lvl="0" marL="0" rtl="0" algn="l">
-              <a:spcBef>
-                <a:spcPts val="1200"/>
-              </a:spcBef>
-              <a:spcAft>
-                <a:spcPts val="0"/>
-              </a:spcAft>
-              <a:buNone/>
-            </a:pPr>
-            <a:r>
-              <a:rPr lang="en" sz="850"/>
-              <a:t>[1] Bureau, U. S. C. (n.d.). Explore census data. Retrieved October 30, 2022, from </a:t>
-            </a:r>
-            <a:r>
-              <a:rPr lang="en" sz="850" u="sng">
-                <a:solidFill>
-                  <a:schemeClr val="hlink"/>
-                </a:solidFill>
-                <a:hlinkClick r:id="rId3"/>
-              </a:rPr>
-              <a:t>https://data.census.gov/cedsci/table?q=us+population+2010&amp;tid=DECENNIALPLNAT2010.P1</a:t>
-            </a:r>
-            <a:endParaRPr sz="850"/>
-          </a:p>
-          <a:p>
-            <a:pPr indent="0" lvl="0" marL="0" rtl="0" algn="l">
-              <a:spcBef>
-                <a:spcPts val="1200"/>
-              </a:spcBef>
-              <a:spcAft>
-                <a:spcPts val="0"/>
-              </a:spcAft>
-              <a:buNone/>
-            </a:pPr>
-            <a:r>
-              <a:rPr lang="en" sz="850"/>
-              <a:t>[2] Bureau, U. S. C. (n.d.). Explore census data. Retrieved October 30, 2022, from </a:t>
-            </a:r>
-            <a:r>
-              <a:rPr lang="en" sz="850" u="sng">
-                <a:solidFill>
-                  <a:schemeClr val="hlink"/>
-                </a:solidFill>
-                <a:hlinkClick r:id="rId4"/>
-              </a:rPr>
-              <a:t>https://data.census.gov/cedsci/table?q=us+population+2020&amp;tid=DECENNIALPL2020.P1</a:t>
-            </a:r>
-            <a:endParaRPr sz="850"/>
-          </a:p>
-          <a:p>
-            <a:pPr indent="0" lvl="0" marL="0" rtl="0" algn="l">
-              <a:spcBef>
-                <a:spcPts val="1200"/>
-              </a:spcBef>
-              <a:spcAft>
-                <a:spcPts val="1200"/>
-              </a:spcAft>
-              <a:buNone/>
-            </a:pPr>
-            <a:r>
-              <a:rPr lang="en" sz="850"/>
-              <a:t>[4] Centers for Disease Control and Prevention, National Center for Health Statistics. National Vital Statistics System, Natality on CDC WONDER Online Database. Data are from the Natality Records 2007-2020, as compiled from data provided by the 57 vital statistics jurisdictions through the Vital statistics Cooperative Program. Accessed at </a:t>
-            </a:r>
-            <a:r>
-              <a:rPr lang="en" sz="850" u="sng">
-                <a:solidFill>
-                  <a:schemeClr val="hlink"/>
-                </a:solidFill>
-                <a:hlinkClick r:id="rId5"/>
-              </a:rPr>
-              <a:t>http://wonder.cdc.gov/natality-current.html</a:t>
-            </a:r>
-            <a:r>
-              <a:rPr lang="en" sz="850"/>
-              <a:t> with requested records 2011-2020 on Oct 29, 2022 5:51:00 PM.</a:t>
-            </a:r>
-            <a:endParaRPr sz="850"/>
-          </a:p>
-        </p:txBody>
-      </p:sp>
-      <p:sp>
-        <p:nvSpPr>
-          <p:cNvPr id="120" name="Google Shape;120;p21"/>
-          <p:cNvSpPr txBox="1"/>
-          <p:nvPr>
-            <p:ph idx="2" type="body"/>
-          </p:nvPr>
-        </p:nvSpPr>
-        <p:spPr>
-          <a:xfrm>
-            <a:off x="4832400" y="1152475"/>
-            <a:ext cx="3999900" cy="3416400"/>
-          </a:xfrm>
-          <a:prstGeom prst="rect">
-            <a:avLst/>
-          </a:prstGeom>
-        </p:spPr>
-        <p:txBody>
-          <a:bodyPr anchorCtr="0" anchor="t" bIns="91425" lIns="91425" spcFirstLastPara="1" rIns="91425" wrap="square" tIns="91425">
-            <a:normAutofit fontScale="62500" lnSpcReduction="20000"/>
-          </a:bodyPr>
-          <a:lstStyle/>
-          <a:p>
-            <a:pPr indent="0" lvl="0" marL="0" rtl="0" algn="l">
-              <a:spcBef>
-                <a:spcPts val="0"/>
-              </a:spcBef>
-              <a:spcAft>
-                <a:spcPts val="0"/>
-              </a:spcAft>
-              <a:buSzPct val="60892"/>
-              <a:buNone/>
-            </a:pPr>
-            <a:r>
-              <a:rPr lang="en"/>
-              <a:t>QUOTES</a:t>
-            </a:r>
-            <a:endParaRPr/>
-          </a:p>
-          <a:p>
-            <a:pPr indent="0" lvl="0" marL="0" rtl="0" algn="l">
-              <a:spcBef>
-                <a:spcPts val="1200"/>
-              </a:spcBef>
-              <a:spcAft>
-                <a:spcPts val="0"/>
-              </a:spcAft>
-              <a:buSzPct val="60892"/>
-              <a:buNone/>
-            </a:pPr>
-            <a:r>
-              <a:rPr lang="en"/>
-              <a:t>[3] Causes and consequences of overpopulation. Sustainability for all. (n.d.). Retrieved October 30, 2022, from </a:t>
-            </a:r>
-            <a:r>
-              <a:rPr lang="en" u="sng">
-                <a:solidFill>
-                  <a:schemeClr val="hlink"/>
-                </a:solidFill>
-                <a:hlinkClick r:id="rId6"/>
-              </a:rPr>
-              <a:t>https://www.activesustainability.com/sustainable-development/causes-consequences-overpopulation/?_adin=02021864894</a:t>
-            </a:r>
-            <a:endParaRPr/>
-          </a:p>
-          <a:p>
-            <a:pPr indent="0" lvl="0" marL="0" rtl="0" algn="l">
-              <a:spcBef>
-                <a:spcPts val="1200"/>
-              </a:spcBef>
-              <a:spcAft>
-                <a:spcPts val="0"/>
-              </a:spcAft>
-              <a:buSzPct val="60892"/>
-              <a:buNone/>
-            </a:pPr>
-            <a:r>
-              <a:rPr lang="en"/>
-              <a:t>[5] Joseph Chamie, opinion contributor. (2022, January 11). For the foreseeable future, immigration will fuel US population growth. The Hill. Retrieved October 31, 2022, from </a:t>
-            </a:r>
-            <a:r>
-              <a:rPr lang="en" u="sng">
-                <a:solidFill>
-                  <a:schemeClr val="hlink"/>
-                </a:solidFill>
-                <a:hlinkClick r:id="rId7"/>
-              </a:rPr>
-              <a:t>https://thehill.com/opinion/immigration/589178-for-the-foreseeable-future-immigration-will-fuel-us-population-growth/</a:t>
-            </a:r>
-            <a:endParaRPr/>
-          </a:p>
-          <a:p>
-            <a:pPr indent="0" lvl="0" marL="0" rtl="0" algn="l">
-              <a:spcBef>
-                <a:spcPts val="1200"/>
-              </a:spcBef>
-              <a:spcAft>
-                <a:spcPts val="0"/>
-              </a:spcAft>
-              <a:buSzPct val="60892"/>
-              <a:buNone/>
-            </a:pPr>
-            <a:r>
-              <a:rPr lang="en"/>
-              <a:t>[6] </a:t>
-            </a:r>
-            <a:r>
-              <a:rPr i="1" lang="en"/>
-              <a:t>Study session 2  population growth</a:t>
-            </a:r>
-            <a:r>
-              <a:rPr lang="en"/>
-              <a:t>. Study Session 2  Population Growth: View as single page. (n.d.). Retrieved October 31, 2022, from </a:t>
-            </a:r>
-            <a:r>
-              <a:rPr lang="en" u="sng">
-                <a:solidFill>
-                  <a:schemeClr val="hlink"/>
-                </a:solidFill>
-                <a:hlinkClick r:id="rId8"/>
-              </a:rPr>
-              <a:t>https://www.open.edu/openlearncreate/mod/oucontent/view.php?id=79927&amp;printable=1</a:t>
-            </a:r>
-            <a:endParaRPr/>
-          </a:p>
-          <a:p>
-            <a:pPr indent="0" lvl="0" marL="0" rtl="0" algn="l">
-              <a:spcBef>
-                <a:spcPts val="1200"/>
-              </a:spcBef>
-              <a:spcAft>
-                <a:spcPts val="1200"/>
-              </a:spcAft>
-              <a:buSzPct val="60892"/>
-              <a:buNone/>
-            </a:pPr>
-            <a:r>
-              <a:rPr lang="en"/>
-              <a:t>[7] World Health Organization. (n.d.). Indicator metadata registry details. World Health Organization. Retrieved October 31, 2022, from </a:t>
-            </a:r>
-            <a:r>
-              <a:rPr lang="en" u="sng">
-                <a:solidFill>
-                  <a:schemeClr val="hlink"/>
-                </a:solidFill>
-                <a:hlinkClick r:id="rId9"/>
-              </a:rPr>
-              <a:t>https://www.who.int/data/gho/indicator-metadata-registry/imr-details/1139#:~:text=The%20ratio%20between%20the%20number,year%2C%20usually%20multiplied%20by%201%2C000</a:t>
-            </a:r>
-            <a:r>
-              <a:rPr lang="en"/>
-              <a:t>.</a:t>
-            </a:r>
-            <a:endParaRPr/>
+              <a:rPr lang="en" sz="1300"/>
+              <a:t>Immigration trends expected to continue rising and making up larger portions of population from previous years</a:t>
+            </a:r>
+            <a:endParaRPr sz="1300"/>
           </a:p>
         </p:txBody>
       </p:sp>

--- a/projects/us_birth_rate_trends_20221006/presentation/primary_population_contributor.pptx
+++ b/projects/us_birth_rate_trends_20221006/presentation/primary_population_contributor.pptx
@@ -7165,7 +7165,7 @@
             </a:pPr>
             <a:r>
               <a:rPr lang="en"/>
-              <a:t>What is Causing the U.S. Population to Grow so Fast?</a:t>
+              <a:t>What Primarily Contributes to U.S. Population Growth?</a:t>
             </a:r>
             <a:endParaRPr/>
           </a:p>
@@ -7903,7 +7903,7 @@
             </a:pPr>
             <a:r>
               <a:rPr lang="en"/>
-              <a:t>Objective</a:t>
+              <a:t>What is the Main Contributor to the U.S. Population?</a:t>
             </a:r>
             <a:endParaRPr/>
           </a:p>
@@ -9328,7 +9328,11 @@
             </a:pPr>
             <a:r>
               <a:rPr b="1" lang="en" sz="1300"/>
-              <a:t>Hypothesis</a:t>
+              <a:t>Original h</a:t>
+            </a:r>
+            <a:r>
+              <a:rPr b="1" lang="en" sz="1300"/>
+              <a:t>ypothesis</a:t>
             </a:r>
             <a:r>
               <a:rPr lang="en" sz="1300"/>
@@ -9373,7 +9377,7 @@
             </a:pPr>
             <a:r>
               <a:rPr b="1" lang="en" sz="1300"/>
-              <a:t>Conclusion</a:t>
+              <a:t>Final conclusion</a:t>
             </a:r>
             <a:r>
               <a:rPr lang="en" sz="1300"/>
@@ -9428,7 +9432,7 @@
             </a:pPr>
             <a:r>
               <a:rPr lang="en" sz="1300"/>
-              <a:t>Immigration trends expected to continue rising and making up larger portions of population from previous years</a:t>
+              <a:t>Immigration trends expected to continue rising and making up larger portions of population than previous years</a:t>
             </a:r>
             <a:endParaRPr sz="1300"/>
           </a:p>
